--- a/Diagrammes/Diagrammes.pptx
+++ b/Diagrammes/Diagrammes.pptx
@@ -15,6 +15,9 @@
     <p:sldId id="264" r:id="rId9"/>
     <p:sldId id="265" r:id="rId10"/>
     <p:sldId id="266" r:id="rId11"/>
+    <p:sldId id="267" r:id="rId12"/>
+    <p:sldId id="268" r:id="rId13"/>
+    <p:sldId id="269" r:id="rId14"/>
   </p:sldIdLst>
   <p:sldSz cx="12192000" cy="6858000"/>
   <p:notesSz cx="6858000" cy="9144000"/>
@@ -6933,6 +6936,136 @@
 </inkml:ink>
 </file>
 
+<file path=ppt/ink/ink335.xml><?xml version="1.0" encoding="utf-8"?>
+<inkml:ink xmlns:inkml="http://www.w3.org/2003/InkML">
+  <inkml:definitions>
+    <inkml:context xml:id="ctx0">
+      <inkml:inkSource xml:id="inkSrc0">
+        <inkml:traceFormat>
+          <inkml:channel name="X" type="integer" min="-2.14748E9" max="2.14748E9" units="cm"/>
+          <inkml:channel name="Y" type="integer" min="-2.14748E9" max="2.14748E9" units="cm"/>
+        </inkml:traceFormat>
+        <inkml:channelProperties>
+          <inkml:channelProperty channel="X" name="resolution" value="1000" units="1/cm"/>
+          <inkml:channelProperty channel="Y" name="resolution" value="1000" units="1/cm"/>
+        </inkml:channelProperties>
+      </inkml:inkSource>
+      <inkml:timestamp xml:id="ts0" timeString="2021-04-21T13:58:49.106"/>
+    </inkml:context>
+    <inkml:brush xml:id="br0">
+      <inkml:brushProperty name="width" value="0.05" units="cm"/>
+      <inkml:brushProperty name="height" value="0.05" units="cm"/>
+      <inkml:brushProperty name="ignorePressure" value="1"/>
+    </inkml:brush>
+  </inkml:definitions>
+  <inkml:trace contextRef="#ctx0" brushRef="#br0">1 101,'1003'0,"-975"-2,50-8,-50 5,48-2,-53 6,20 2,0-3,58-9,-59 5,83-1,-79 6,62-9,-32 2,1 3,109 7,-54 0,-99-1,-1-1,-1 0,0-2,61-11,-54 6,0 2,1 2,0 2,54 5,0-2,280-2,-353 0</inkml:trace>
+</inkml:ink>
+</file>
+
+<file path=ppt/ink/ink336.xml><?xml version="1.0" encoding="utf-8"?>
+<inkml:ink xmlns:inkml="http://www.w3.org/2003/InkML">
+  <inkml:definitions>
+    <inkml:context xml:id="ctx0">
+      <inkml:inkSource xml:id="inkSrc0">
+        <inkml:traceFormat>
+          <inkml:channel name="X" type="integer" min="-2.14748E9" max="2.14748E9" units="cm"/>
+          <inkml:channel name="Y" type="integer" min="-2.14748E9" max="2.14748E9" units="cm"/>
+        </inkml:traceFormat>
+        <inkml:channelProperties>
+          <inkml:channelProperty channel="X" name="resolution" value="1000" units="1/cm"/>
+          <inkml:channelProperty channel="Y" name="resolution" value="1000" units="1/cm"/>
+        </inkml:channelProperties>
+      </inkml:inkSource>
+      <inkml:timestamp xml:id="ts0" timeString="2021-04-21T13:58:51.823"/>
+    </inkml:context>
+    <inkml:brush xml:id="br0">
+      <inkml:brushProperty name="width" value="0.05" units="cm"/>
+      <inkml:brushProperty name="height" value="0.05" units="cm"/>
+      <inkml:brushProperty name="ignorePressure" value="1"/>
+    </inkml:brush>
+  </inkml:definitions>
+  <inkml:trace contextRef="#ctx0" brushRef="#br0">1 95,'5'-2,"-1"1,1-2,-1 1,0 0,1-1,-1 1,0-1,0-1,-1 1,1 0,4-7,17-12,-8 9,17-9,-33 22,-1 0,1 0,-1 0,1 0,-1 1,1-1,-1 0,1 0,-1 0,1 1,-1-1,0 0,1 0,-1 1,1-1,-1 0,0 1,1-1,-1 1,0-1,1 1,-1-1,0 0,0 1,1-1,-1 1,0-1,0 1,0-1,0 1,0-1,1 1,-1-1,0 1,0-1,0 1,-1-1,1 2,2 24,-2-23,0 10,1 8,-1-1,-1 0,0 0,-1 0,-2 1,0-2,-1 1,-7 19,5-26</inkml:trace>
+</inkml:ink>
+</file>
+
+<file path=ppt/ink/ink337.xml><?xml version="1.0" encoding="utf-8"?>
+<inkml:ink xmlns:inkml="http://www.w3.org/2003/InkML">
+  <inkml:definitions>
+    <inkml:context xml:id="ctx0">
+      <inkml:inkSource xml:id="inkSrc0">
+        <inkml:traceFormat>
+          <inkml:channel name="X" type="integer" min="-2.14748E9" max="2.14748E9" units="cm"/>
+          <inkml:channel name="Y" type="integer" min="-2.14748E9" max="2.14748E9" units="cm"/>
+        </inkml:traceFormat>
+        <inkml:channelProperties>
+          <inkml:channelProperty channel="X" name="resolution" value="1000" units="1/cm"/>
+          <inkml:channelProperty channel="Y" name="resolution" value="1000" units="1/cm"/>
+        </inkml:channelProperties>
+      </inkml:inkSource>
+      <inkml:timestamp xml:id="ts0" timeString="2021-04-21T13:58:52.548"/>
+    </inkml:context>
+    <inkml:brush xml:id="br0">
+      <inkml:brushProperty name="width" value="0.05" units="cm"/>
+      <inkml:brushProperty name="height" value="0.05" units="cm"/>
+      <inkml:brushProperty name="ignorePressure" value="1"/>
+    </inkml:brush>
+  </inkml:definitions>
+  <inkml:trace contextRef="#ctx0" brushRef="#br0">85 1,'0'4,"0"5,-4 1,-1 3,-4-1,-1 2,2 2,-2-1,1 0,-2-2,1 1,2-3</inkml:trace>
+</inkml:ink>
+</file>
+
+<file path=ppt/ink/ink338.xml><?xml version="1.0" encoding="utf-8"?>
+<inkml:ink xmlns:inkml="http://www.w3.org/2003/InkML">
+  <inkml:definitions>
+    <inkml:context xml:id="ctx0">
+      <inkml:inkSource xml:id="inkSrc0">
+        <inkml:traceFormat>
+          <inkml:channel name="X" type="integer" min="-2.14748E9" max="2.14748E9" units="cm"/>
+          <inkml:channel name="Y" type="integer" min="-2.14748E9" max="2.14748E9" units="cm"/>
+        </inkml:traceFormat>
+        <inkml:channelProperties>
+          <inkml:channelProperty channel="X" name="resolution" value="1000" units="1/cm"/>
+          <inkml:channelProperty channel="Y" name="resolution" value="1000" units="1/cm"/>
+        </inkml:channelProperties>
+      </inkml:inkSource>
+      <inkml:timestamp xml:id="ts0" timeString="2021-04-21T13:58:53.395"/>
+    </inkml:context>
+    <inkml:brush xml:id="br0">
+      <inkml:brushProperty name="width" value="0.05" units="cm"/>
+      <inkml:brushProperty name="height" value="0.05" units="cm"/>
+      <inkml:brushProperty name="ignorePressure" value="1"/>
+    </inkml:brush>
+  </inkml:definitions>
+  <inkml:trace contextRef="#ctx0" brushRef="#br0">1 51,'1'-2,"0"-1,0 1,0 0,0 0,0 0,1 0,-1 0,1 1,-1-1,1 0,0 1,0-1,0 1,-1 0,1-1,1 1,3-1,37-16,-42 18,0 0,0 0,0 0,0 0,0 1,-1-1,1 0,0 1,0-1,0 1,-1-1,1 0,0 1,-1 0,1-1,0 1,-1-1,1 1,-1 0,1-1,-1 1,1 0,-1 0,1 0,-1-1,0 1,1 0,-1 0,0 0,0 0,0-1,1 1,-1 0,0 0,-1 1,3 38,-2-34,-4 256,4-242</inkml:trace>
+</inkml:ink>
+</file>
+
+<file path=ppt/ink/ink339.xml><?xml version="1.0" encoding="utf-8"?>
+<inkml:ink xmlns:inkml="http://www.w3.org/2003/InkML">
+  <inkml:definitions>
+    <inkml:context xml:id="ctx0">
+      <inkml:inkSource xml:id="inkSrc0">
+        <inkml:traceFormat>
+          <inkml:channel name="X" type="integer" min="-2.14748E9" max="2.14748E9" units="cm"/>
+          <inkml:channel name="Y" type="integer" min="-2.14748E9" max="2.14748E9" units="cm"/>
+        </inkml:traceFormat>
+        <inkml:channelProperties>
+          <inkml:channelProperty channel="X" name="resolution" value="1000" units="1/cm"/>
+          <inkml:channelProperty channel="Y" name="resolution" value="1000" units="1/cm"/>
+        </inkml:channelProperties>
+      </inkml:inkSource>
+      <inkml:timestamp xml:id="ts0" timeString="2021-04-21T13:58:55.571"/>
+    </inkml:context>
+    <inkml:brush xml:id="br0">
+      <inkml:brushProperty name="width" value="0.05" units="cm"/>
+      <inkml:brushProperty name="height" value="0.05" units="cm"/>
+      <inkml:brushProperty name="ignorePressure" value="1"/>
+    </inkml:brush>
+  </inkml:definitions>
+  <inkml:trace contextRef="#ctx0" brushRef="#br0">0 117,'11'0,"-1"-1,1 0,-1 0,0-1,0-1,0 0,0 0,0-1,18-9,-12 3,0-1,-1 0,-1-1,22-23,-36 35,0 0,0-1,0 1,0 0,0-1,1 1,-1 0,0-1,0 1,0 0,0 0,1-1,-1 1,0 0,0 0,1 0,-1-1,0 1,0 0,1 0,-1 0,0 0,1-1,-1 1,0 0,1 0,-1 0,0 0,1 0,-1 0,0 0,1 0,-1 0,0 0,0 0,1 0,-1 0,0 0,1 0,-1 0,0 1,1-1,-1 0,0 0,1 0,-1 1,-1 18,-14 26,-1-14,2-8,2 0,0 1,2 0,0 0,-9 41,16-46</inkml:trace>
+</inkml:ink>
+</file>
+
 <file path=ppt/ink/ink34.xml><?xml version="1.0" encoding="utf-8"?>
 <inkml:ink xmlns:inkml="http://www.w3.org/2003/InkML">
   <inkml:definitions>
@@ -6956,6 +7089,266 @@
     </inkml:brush>
   </inkml:definitions>
   <inkml:trace contextRef="#ctx0" brushRef="#br0">0 1418,'1'-3,"0"1,-1-1,1 0,1 0,-1 1,0-1,1 0,-1 1,1 0,0-1,-1 1,1 0,0 0,1 0,3-3,38-27,71-40,4 5,135-55,-217 105,36-23,-38 20,39-17,28-9,-2-5,141-96,135-119,-295 208,31-26,90-69,-156 113,-24 19,1 1,1 2,0 0,44-23,-54 35</inkml:trace>
+</inkml:ink>
+</file>
+
+<file path=ppt/ink/ink340.xml><?xml version="1.0" encoding="utf-8"?>
+<inkml:ink xmlns:inkml="http://www.w3.org/2003/InkML">
+  <inkml:definitions>
+    <inkml:context xml:id="ctx0">
+      <inkml:inkSource xml:id="inkSrc0">
+        <inkml:traceFormat>
+          <inkml:channel name="X" type="integer" min="-2.14748E9" max="2.14748E9" units="cm"/>
+          <inkml:channel name="Y" type="integer" min="-2.14748E9" max="2.14748E9" units="cm"/>
+        </inkml:traceFormat>
+        <inkml:channelProperties>
+          <inkml:channelProperty channel="X" name="resolution" value="1000" units="1/cm"/>
+          <inkml:channelProperty channel="Y" name="resolution" value="1000" units="1/cm"/>
+        </inkml:channelProperties>
+      </inkml:inkSource>
+      <inkml:timestamp xml:id="ts0" timeString="2021-04-21T13:58:55.971"/>
+    </inkml:context>
+    <inkml:brush xml:id="br0">
+      <inkml:brushProperty name="width" value="0.05" units="cm"/>
+      <inkml:brushProperty name="height" value="0.05" units="cm"/>
+      <inkml:brushProperty name="ignorePressure" value="1"/>
+    </inkml:brush>
+  </inkml:definitions>
+  <inkml:trace contextRef="#ctx0" brushRef="#br0">193 1,'-4'4,"-5"1,-1 4,-3 0,0 3,3 3,-1-1,2 1,-2-2,1 1,-2 2,1 2,-1-2,1 1,-1-4,1 1,-1-2,0-3</inkml:trace>
+</inkml:ink>
+</file>
+
+<file path=ppt/ink/ink341.xml><?xml version="1.0" encoding="utf-8"?>
+<inkml:ink xmlns:inkml="http://www.w3.org/2003/InkML">
+  <inkml:definitions>
+    <inkml:context xml:id="ctx0">
+      <inkml:inkSource xml:id="inkSrc0">
+        <inkml:traceFormat>
+          <inkml:channel name="X" type="integer" min="-2.14748E9" max="2.14748E9" units="cm"/>
+          <inkml:channel name="Y" type="integer" min="-2.14748E9" max="2.14748E9" units="cm"/>
+        </inkml:traceFormat>
+        <inkml:channelProperties>
+          <inkml:channelProperty channel="X" name="resolution" value="1000" units="1/cm"/>
+          <inkml:channelProperty channel="Y" name="resolution" value="1000" units="1/cm"/>
+        </inkml:channelProperties>
+      </inkml:inkSource>
+      <inkml:timestamp xml:id="ts0" timeString="2021-04-21T13:58:56.496"/>
+    </inkml:context>
+    <inkml:brush xml:id="br0">
+      <inkml:brushProperty name="width" value="0.05" units="cm"/>
+      <inkml:brushProperty name="height" value="0.05" units="cm"/>
+      <inkml:brushProperty name="ignorePressure" value="1"/>
+    </inkml:brush>
+  </inkml:definitions>
+  <inkml:trace contextRef="#ctx0" brushRef="#br0">0 218,'4'-5,"5"0,2-4,2-1,-1-2,2 1,2-1,2-4,3-2,1 2,-3-1,-1 3,-3 0,0 2,-4-1,2 2,-3-1,-2 1</inkml:trace>
+</inkml:ink>
+</file>
+
+<file path=ppt/ink/ink342.xml><?xml version="1.0" encoding="utf-8"?>
+<inkml:ink xmlns:inkml="http://www.w3.org/2003/InkML">
+  <inkml:definitions>
+    <inkml:context xml:id="ctx0">
+      <inkml:inkSource xml:id="inkSrc0">
+        <inkml:traceFormat>
+          <inkml:channel name="X" type="integer" min="-2.14748E9" max="2.14748E9" units="cm"/>
+          <inkml:channel name="Y" type="integer" min="-2.14748E9" max="2.14748E9" units="cm"/>
+        </inkml:traceFormat>
+        <inkml:channelProperties>
+          <inkml:channelProperty channel="X" name="resolution" value="1000" units="1/cm"/>
+          <inkml:channelProperty channel="Y" name="resolution" value="1000" units="1/cm"/>
+        </inkml:channelProperties>
+      </inkml:inkSource>
+      <inkml:timestamp xml:id="ts0" timeString="2021-04-21T13:58:56.906"/>
+    </inkml:context>
+    <inkml:brush xml:id="br0">
+      <inkml:brushProperty name="width" value="0.05" units="cm"/>
+      <inkml:brushProperty name="height" value="0.05" units="cm"/>
+      <inkml:brushProperty name="ignorePressure" value="1"/>
+    </inkml:brush>
+  </inkml:definitions>
+  <inkml:trace contextRef="#ctx0" brushRef="#br0">0 1,'4'4,"2"5,3 5,1 4,1-1,1 1,0-3,0 0,0-3,0 2,0-3,-1 1,2-1,-2 1,-3-2</inkml:trace>
+</inkml:ink>
+</file>
+
+<file path=ppt/ink/ink343.xml><?xml version="1.0" encoding="utf-8"?>
+<inkml:ink xmlns:inkml="http://www.w3.org/2003/InkML">
+  <inkml:definitions>
+    <inkml:context xml:id="ctx0">
+      <inkml:inkSource xml:id="inkSrc0">
+        <inkml:traceFormat>
+          <inkml:channel name="X" type="integer" min="-2.14748E9" max="2.14748E9" units="cm"/>
+          <inkml:channel name="Y" type="integer" min="-2.14748E9" max="2.14748E9" units="cm"/>
+        </inkml:traceFormat>
+        <inkml:channelProperties>
+          <inkml:channelProperty channel="X" name="resolution" value="1000" units="1/cm"/>
+          <inkml:channelProperty channel="Y" name="resolution" value="1000" units="1/cm"/>
+        </inkml:channelProperties>
+      </inkml:inkSource>
+      <inkml:timestamp xml:id="ts0" timeString="2021-04-21T13:58:57.362"/>
+    </inkml:context>
+    <inkml:brush xml:id="br0">
+      <inkml:brushProperty name="width" value="0.05" units="cm"/>
+      <inkml:brushProperty name="height" value="0.05" units="cm"/>
+      <inkml:brushProperty name="ignorePressure" value="1"/>
+    </inkml:brush>
+  </inkml:definitions>
+  <inkml:trace contextRef="#ctx0" brushRef="#br0">0 1,'0'4,"0"5,0 6,0 3,0 3,0 2,0 1,0 0,0 1,0-1,0 0,0-1,0 1,0-1,0-3</inkml:trace>
+</inkml:ink>
+</file>
+
+<file path=ppt/ink/ink344.xml><?xml version="1.0" encoding="utf-8"?>
+<inkml:ink xmlns:inkml="http://www.w3.org/2003/InkML">
+  <inkml:definitions>
+    <inkml:context xml:id="ctx0">
+      <inkml:inkSource xml:id="inkSrc0">
+        <inkml:traceFormat>
+          <inkml:channel name="X" type="integer" min="-2.14748E9" max="2.14748E9" units="cm"/>
+          <inkml:channel name="Y" type="integer" min="-2.14748E9" max="2.14748E9" units="cm"/>
+        </inkml:traceFormat>
+        <inkml:channelProperties>
+          <inkml:channelProperty channel="X" name="resolution" value="1000" units="1/cm"/>
+          <inkml:channelProperty channel="Y" name="resolution" value="1000" units="1/cm"/>
+        </inkml:channelProperties>
+      </inkml:inkSource>
+      <inkml:timestamp xml:id="ts0" timeString="2021-04-21T13:58:57.894"/>
+    </inkml:context>
+    <inkml:brush xml:id="br0">
+      <inkml:brushProperty name="width" value="0.05" units="cm"/>
+      <inkml:brushProperty name="height" value="0.05" units="cm"/>
+      <inkml:brushProperty name="ignorePressure" value="1"/>
+    </inkml:brush>
+  </inkml:definitions>
+  <inkml:trace contextRef="#ctx0" brushRef="#br0">0 1,'4'0,"6"0,4 0,5 0,2 0,2 0,1 0,0 0,0 0,1 0,-2 0,-3 0</inkml:trace>
+</inkml:ink>
+</file>
+
+<file path=ppt/ink/ink345.xml><?xml version="1.0" encoding="utf-8"?>
+<inkml:ink xmlns:inkml="http://www.w3.org/2003/InkML">
+  <inkml:definitions>
+    <inkml:context xml:id="ctx0">
+      <inkml:inkSource xml:id="inkSrc0">
+        <inkml:traceFormat>
+          <inkml:channel name="X" type="integer" min="-2.14748E9" max="2.14748E9" units="cm"/>
+          <inkml:channel name="Y" type="integer" min="-2.14748E9" max="2.14748E9" units="cm"/>
+        </inkml:traceFormat>
+        <inkml:channelProperties>
+          <inkml:channelProperty channel="X" name="resolution" value="1000" units="1/cm"/>
+          <inkml:channelProperty channel="Y" name="resolution" value="1000" units="1/cm"/>
+        </inkml:channelProperties>
+      </inkml:inkSource>
+      <inkml:timestamp xml:id="ts0" timeString="2021-04-21T14:01:22.034"/>
+    </inkml:context>
+    <inkml:brush xml:id="br0">
+      <inkml:brushProperty name="width" value="0.05" units="cm"/>
+      <inkml:brushProperty name="height" value="0.05" units="cm"/>
+      <inkml:brushProperty name="ignorePressure" value="1"/>
+    </inkml:brush>
+  </inkml:definitions>
+  <inkml:trace contextRef="#ctx0" brushRef="#br0">2887 2,'-48'1,"1"2,-50 10,40-6,0-4,-89-5,38 0,18 3,-99-3,119-9,49 6,0 2,-30-1,-1512 5,1542 0,0 1,-29 6,28-3,0-2,-27 2,-68-6,97 1</inkml:trace>
+</inkml:ink>
+</file>
+
+<file path=ppt/ink/ink346.xml><?xml version="1.0" encoding="utf-8"?>
+<inkml:ink xmlns:inkml="http://www.w3.org/2003/InkML">
+  <inkml:definitions>
+    <inkml:context xml:id="ctx0">
+      <inkml:inkSource xml:id="inkSrc0">
+        <inkml:traceFormat>
+          <inkml:channel name="X" type="integer" min="-2.14748E9" max="2.14748E9" units="cm"/>
+          <inkml:channel name="Y" type="integer" min="-2.14748E9" max="2.14748E9" units="cm"/>
+        </inkml:traceFormat>
+        <inkml:channelProperties>
+          <inkml:channelProperty channel="X" name="resolution" value="1000" units="1/cm"/>
+          <inkml:channelProperty channel="Y" name="resolution" value="1000" units="1/cm"/>
+        </inkml:channelProperties>
+      </inkml:inkSource>
+      <inkml:timestamp xml:id="ts0" timeString="2021-04-21T14:01:44.589"/>
+    </inkml:context>
+    <inkml:brush xml:id="br0">
+      <inkml:brushProperty name="width" value="0.05" units="cm"/>
+      <inkml:brushProperty name="height" value="0.05" units="cm"/>
+      <inkml:brushProperty name="ignorePressure" value="1"/>
+    </inkml:brush>
+  </inkml:definitions>
+  <inkml:trace contextRef="#ctx0" brushRef="#br0">0 0,'9'3,"0"-1,0 1,-1 1,0 0,1 0,-1 0,-1 1,1 1,11 10,0-3,89 54,4-5,119 49,-99-54,155 46,-225-81,99 51,-160-72,28 13,49 24,92 59,-81-42,172 76,-93-67,-155-57</inkml:trace>
+</inkml:ink>
+</file>
+
+<file path=ppt/ink/ink347.xml><?xml version="1.0" encoding="utf-8"?>
+<inkml:ink xmlns:inkml="http://www.w3.org/2003/InkML">
+  <inkml:definitions>
+    <inkml:context xml:id="ctx0">
+      <inkml:inkSource xml:id="inkSrc0">
+        <inkml:traceFormat>
+          <inkml:channel name="X" type="integer" min="-2.14748E9" max="2.14748E9" units="cm"/>
+          <inkml:channel name="Y" type="integer" min="-2.14748E9" max="2.14748E9" units="cm"/>
+        </inkml:traceFormat>
+        <inkml:channelProperties>
+          <inkml:channelProperty channel="X" name="resolution" value="1000" units="1/cm"/>
+          <inkml:channelProperty channel="Y" name="resolution" value="1000" units="1/cm"/>
+        </inkml:channelProperties>
+      </inkml:inkSource>
+      <inkml:timestamp xml:id="ts0" timeString="2021-04-21T14:01:46.951"/>
+    </inkml:context>
+    <inkml:brush xml:id="br0">
+      <inkml:brushProperty name="width" value="0.05" units="cm"/>
+      <inkml:brushProperty name="height" value="0.05" units="cm"/>
+      <inkml:brushProperty name="ignorePressure" value="1"/>
+    </inkml:brush>
+  </inkml:definitions>
+  <inkml:trace contextRef="#ctx0" brushRef="#br0">1 976,'6'-2,"0"0,0 0,0 0,0-1,-1 0,1 0,-1 0,9-7,3-1,73-44,66-37,40-25,-52 28,42-3,-147 71,77-27,-74 32,74-39,-61 26,105-39,-60 28,217-76,-74 25,-228 86</inkml:trace>
+</inkml:ink>
+</file>
+
+<file path=ppt/ink/ink348.xml><?xml version="1.0" encoding="utf-8"?>
+<inkml:ink xmlns:inkml="http://www.w3.org/2003/InkML">
+  <inkml:definitions>
+    <inkml:context xml:id="ctx0">
+      <inkml:inkSource xml:id="inkSrc0">
+        <inkml:traceFormat>
+          <inkml:channel name="X" type="integer" min="-2.14748E9" max="2.14748E9" units="cm"/>
+          <inkml:channel name="Y" type="integer" min="-2.14748E9" max="2.14748E9" units="cm"/>
+        </inkml:traceFormat>
+        <inkml:channelProperties>
+          <inkml:channelProperty channel="X" name="resolution" value="1000" units="1/cm"/>
+          <inkml:channelProperty channel="Y" name="resolution" value="1000" units="1/cm"/>
+        </inkml:channelProperties>
+      </inkml:inkSource>
+      <inkml:timestamp xml:id="ts0" timeString="2021-04-21T14:01:54.389"/>
+    </inkml:context>
+    <inkml:brush xml:id="br0">
+      <inkml:brushProperty name="width" value="0.05" units="cm"/>
+      <inkml:brushProperty name="height" value="0.05" units="cm"/>
+      <inkml:brushProperty name="ignorePressure" value="1"/>
+    </inkml:brush>
+  </inkml:definitions>
+  <inkml:trace contextRef="#ctx0" brushRef="#br0">75 1,'2'15,"2"-1,0 0,0 0,1 0,1 0,1-1,0 1,12 16,-7-8,9 10,39 47,-52-70,14 15,22 28,-42-49,0-1,0 1,0 0,-1 0,1 0,-1 0,0 0,0 0,0 0,0 0,0 1,-1-1,1 0,-1 0,0 6,-1-6,0-1,-1 1,1-1,0 0,-1 1,0-1,1 0,-1 0,0 0,0 0,0 0,-1-1,1 1,0 0,-1-1,1 0,-6 2,-49 19,50-20,-18 6,-6 2,-54 10,62-14,20-5,0 0,0 0,0 0,0-1,-1 1,1-1,0 0,0 0,-4 0,6-1,0 1,0-1,0 0,0 1,0-1,0 0,0 0,0 0,1 0,-1 1,0-1,1 0,-1 0,1 0,-1 0,1 0,-1-1,1 1,0 0,-1 0,1 0,0 0,0 0,0 0,0-1,0 1,0 0,0 0,0 0,1 0,0-2,13-68,-3 24,-4 18,1 0,2 1,1 1,26-50,-8 17,-25 50,-1 0,0 0,-1-1,0 1,-1-1,0 1,0-17,-1 7</inkml:trace>
+</inkml:ink>
+</file>
+
+<file path=ppt/ink/ink349.xml><?xml version="1.0" encoding="utf-8"?>
+<inkml:ink xmlns:inkml="http://www.w3.org/2003/InkML">
+  <inkml:definitions>
+    <inkml:context xml:id="ctx0">
+      <inkml:inkSource xml:id="inkSrc0">
+        <inkml:traceFormat>
+          <inkml:channel name="X" type="integer" min="-2.14748E9" max="2.14748E9" units="cm"/>
+          <inkml:channel name="Y" type="integer" min="-2.14748E9" max="2.14748E9" units="cm"/>
+        </inkml:traceFormat>
+        <inkml:channelProperties>
+          <inkml:channelProperty channel="X" name="resolution" value="1000" units="1/cm"/>
+          <inkml:channelProperty channel="Y" name="resolution" value="1000" units="1/cm"/>
+        </inkml:channelProperties>
+      </inkml:inkSource>
+      <inkml:timestamp xml:id="ts0" timeString="2021-04-21T14:01:57.041"/>
+    </inkml:context>
+    <inkml:brush xml:id="br0">
+      <inkml:brushProperty name="width" value="0.05" units="cm"/>
+      <inkml:brushProperty name="height" value="0.05" units="cm"/>
+      <inkml:brushProperty name="ignorePressure" value="1"/>
+    </inkml:brush>
+  </inkml:definitions>
+  <inkml:trace contextRef="#ctx0" brushRef="#br0">289 55,'-25'0,"-1"-1,1-1,0-1,0-2,1 0,-1-2,-39-16,60 22,0-1,1 1,-1 0,0 0,0 0,0 0,-7 1,10 0,1 0,-1 0,1 0,-1 0,1 0,-1 0,1 0,-1 0,1 1,0-1,-1 0,1 0,-1 1,1-1,-1 0,1 0,0 1,-1-1,1 1,0-1,-1 0,1 1,0-1,-1 1,1 0,4 20,117 244,-106-224,-13-32,1 0,-1 0,2 0,0 0,0-1,0 1,1-1,0 0,9 9,-14-16,0-1,1 0,-1 0,1 1,-1-1,1 0,-1 0,1 1,-1-1,1 0,-1 0,0 0,1 0,-1 0,1 0,-1 0,1 0,-1 0,1 0,-1 0,1 0,-1 0,1 0,-1 0,1-1,-1 1,1 0,-1 0,1-1,-1 1,1-1,14-17,7-30,-20 42,24-62,-14 34,1 0,34-59,-31 72,-11 16,-1 0,0 0,-1 0,1 0,-1-1,0 0,0 1,3-11,-7 15,1 0,0 0,-1 0,1 0,-1 0,1 0,-1 0,0 0,1 0,-1 0,0 1,0-1,1 0,-1 0,0 1,0-1,0 1,0-1,0 1,0-1,0 1,0-1,0 1,0 0,0 0,0 0,0-1,0 1,0 0,-1 0,-40-1,36 1,-6-1,0 2,0 0,-1 0,1 1,-15 5,11-2</inkml:trace>
 </inkml:ink>
 </file>
 
@@ -6985,6 +7378,266 @@
 </inkml:ink>
 </file>
 
+<file path=ppt/ink/ink350.xml><?xml version="1.0" encoding="utf-8"?>
+<inkml:ink xmlns:inkml="http://www.w3.org/2003/InkML">
+  <inkml:definitions>
+    <inkml:context xml:id="ctx0">
+      <inkml:inkSource xml:id="inkSrc0">
+        <inkml:traceFormat>
+          <inkml:channel name="X" type="integer" min="-2.14748E9" max="2.14748E9" units="cm"/>
+          <inkml:channel name="Y" type="integer" min="-2.14748E9" max="2.14748E9" units="cm"/>
+        </inkml:traceFormat>
+        <inkml:channelProperties>
+          <inkml:channelProperty channel="X" name="resolution" value="1000" units="1/cm"/>
+          <inkml:channelProperty channel="Y" name="resolution" value="1000" units="1/cm"/>
+        </inkml:channelProperties>
+      </inkml:inkSource>
+      <inkml:timestamp xml:id="ts0" timeString="2021-04-21T14:02:17.804"/>
+    </inkml:context>
+    <inkml:brush xml:id="br0">
+      <inkml:brushProperty name="width" value="0.05" units="cm"/>
+      <inkml:brushProperty name="height" value="0.05" units="cm"/>
+      <inkml:brushProperty name="ignorePressure" value="1"/>
+    </inkml:brush>
+  </inkml:definitions>
+  <inkml:trace contextRef="#ctx0" brushRef="#br0">0 103,'6'-1,"0"-1,0 1,0-1,-1 0,1 0,-1-1,1 0,-1 0,0 0,0 0,-1-1,1 0,0 0,-1 0,0 0,7-10,30-26,-40 40,-1 0,1-1,0 1,-1 0,1-1,0 1,-1 0,1 0,0-1,0 1,-1 0,1 0,0 0,-1 0,1 0,0 0,0 0,-1 0,1 0,0 1,-1-1,1 0,0 0,0 1,-1-1,1 0,-1 1,1-1,0 0,-1 1,1-1,-1 1,1-1,-1 1,1 0,-1-1,1 1,-1-1,0 1,1 0,-1-1,0 1,0 0,1-1,-1 1,0 0,0 0,0-1,0 1,0 0,0 0,0-1,0 2,3 47,-3-45,-2 258,2-242</inkml:trace>
+</inkml:ink>
+</file>
+
+<file path=ppt/ink/ink351.xml><?xml version="1.0" encoding="utf-8"?>
+<inkml:ink xmlns:inkml="http://www.w3.org/2003/InkML">
+  <inkml:definitions>
+    <inkml:context xml:id="ctx0">
+      <inkml:inkSource xml:id="inkSrc0">
+        <inkml:traceFormat>
+          <inkml:channel name="X" type="integer" min="-2.14748E9" max="2.14748E9" units="cm"/>
+          <inkml:channel name="Y" type="integer" min="-2.14748E9" max="2.14748E9" units="cm"/>
+        </inkml:traceFormat>
+        <inkml:channelProperties>
+          <inkml:channelProperty channel="X" name="resolution" value="1000" units="1/cm"/>
+          <inkml:channelProperty channel="Y" name="resolution" value="1000" units="1/cm"/>
+        </inkml:channelProperties>
+      </inkml:inkSource>
+      <inkml:timestamp xml:id="ts0" timeString="2021-04-21T14:02:18.588"/>
+    </inkml:context>
+    <inkml:brush xml:id="br0">
+      <inkml:brushProperty name="width" value="0.05" units="cm"/>
+      <inkml:brushProperty name="height" value="0.05" units="cm"/>
+      <inkml:brushProperty name="ignorePressure" value="1"/>
+    </inkml:brush>
+  </inkml:definitions>
+  <inkml:trace contextRef="#ctx0" brushRef="#br0">77 1,'0'4,"0"5,0 5,-4 0,-1 2,0 2,-3-2,0 0,1 2,2 1,-2-2,-1-1,-1-2,-1-4</inkml:trace>
+</inkml:ink>
+</file>
+
+<file path=ppt/ink/ink352.xml><?xml version="1.0" encoding="utf-8"?>
+<inkml:ink xmlns:inkml="http://www.w3.org/2003/InkML">
+  <inkml:definitions>
+    <inkml:context xml:id="ctx0">
+      <inkml:inkSource xml:id="inkSrc0">
+        <inkml:traceFormat>
+          <inkml:channel name="X" type="integer" min="-2.14748E9" max="2.14748E9" units="cm"/>
+          <inkml:channel name="Y" type="integer" min="-2.14748E9" max="2.14748E9" units="cm"/>
+        </inkml:traceFormat>
+        <inkml:channelProperties>
+          <inkml:channelProperty channel="X" name="resolution" value="1000" units="1/cm"/>
+          <inkml:channelProperty channel="Y" name="resolution" value="1000" units="1/cm"/>
+        </inkml:channelProperties>
+      </inkml:inkSource>
+      <inkml:timestamp xml:id="ts0" timeString="2021-04-21T14:04:46.637"/>
+    </inkml:context>
+    <inkml:brush xml:id="br0">
+      <inkml:brushProperty name="width" value="0.05" units="cm"/>
+      <inkml:brushProperty name="height" value="0.05" units="cm"/>
+      <inkml:brushProperty name="ignorePressure" value="1"/>
+    </inkml:brush>
+  </inkml:definitions>
+  <inkml:trace contextRef="#ctx0" brushRef="#br0">0 51,'17'0,"-1"-1,0-1,0 0,0 0,0-2,0 0,0-1,-1-1,0 0,14-9,-28 15,0-1,0 1,0 0,-1-1,1 1,0 0,0-1,0 1,0 0,0 0,0 0,0 0,0 0,-1 0,1 0,0 0,0 0,0 0,0 0,0 1,0-1,0 0,0 1,-1-1,1 0,0 1,1 0,-1 1,1 0,-1 0,1-1,-1 1,0 0,0 0,0 0,0 0,0 1,-1-1,2 2,5 58,-7-61,-1 236,1-217</inkml:trace>
+</inkml:ink>
+</file>
+
+<file path=ppt/ink/ink353.xml><?xml version="1.0" encoding="utf-8"?>
+<inkml:ink xmlns:inkml="http://www.w3.org/2003/InkML">
+  <inkml:definitions>
+    <inkml:context xml:id="ctx0">
+      <inkml:inkSource xml:id="inkSrc0">
+        <inkml:traceFormat>
+          <inkml:channel name="X" type="integer" min="-2.14748E9" max="2.14748E9" units="cm"/>
+          <inkml:channel name="Y" type="integer" min="-2.14748E9" max="2.14748E9" units="cm"/>
+        </inkml:traceFormat>
+        <inkml:channelProperties>
+          <inkml:channelProperty channel="X" name="resolution" value="1000" units="1/cm"/>
+          <inkml:channelProperty channel="Y" name="resolution" value="1000" units="1/cm"/>
+        </inkml:channelProperties>
+      </inkml:inkSource>
+      <inkml:timestamp xml:id="ts0" timeString="2021-04-21T14:01:37.019"/>
+    </inkml:context>
+    <inkml:brush xml:id="br0">
+      <inkml:brushProperty name="width" value="0.05" units="cm"/>
+      <inkml:brushProperty name="height" value="0.05" units="cm"/>
+      <inkml:brushProperty name="ignorePressure" value="1"/>
+    </inkml:brush>
+  </inkml:definitions>
+  <inkml:trace contextRef="#ctx0" brushRef="#br0">0 126,'10'0,"-1"-1,1 0,-1-1,1 0,-1 0,0-1,0 0,15-7,-1-3,38-27,7-5,-67 45,-1-1,1 1,0 0,-1-1,1 1,-1 0,1-1,-1 1,1 0,0 0,-1 0,1 0,-1 0,1 0,0 0,-1 0,1 0,0 0,-1 0,1 0,-1 0,1 0,0 0,-1 1,1-1,-1 0,1 0,-1 1,1-1,-1 1,1-1,-1 0,1 1,-1-1,1 1,0 0,7 28,-11 34,-12 3,-25 73,35-125</inkml:trace>
+</inkml:ink>
+</file>
+
+<file path=ppt/ink/ink354.xml><?xml version="1.0" encoding="utf-8"?>
+<inkml:ink xmlns:inkml="http://www.w3.org/2003/InkML">
+  <inkml:definitions>
+    <inkml:context xml:id="ctx0">
+      <inkml:inkSource xml:id="inkSrc0">
+        <inkml:traceFormat>
+          <inkml:channel name="X" type="integer" min="-2.14748E9" max="2.14748E9" units="cm"/>
+          <inkml:channel name="Y" type="integer" min="-2.14748E9" max="2.14748E9" units="cm"/>
+        </inkml:traceFormat>
+        <inkml:channelProperties>
+          <inkml:channelProperty channel="X" name="resolution" value="1000" units="1/cm"/>
+          <inkml:channelProperty channel="Y" name="resolution" value="1000" units="1/cm"/>
+        </inkml:channelProperties>
+      </inkml:inkSource>
+      <inkml:timestamp xml:id="ts0" timeString="2021-04-21T14:01:37.776"/>
+    </inkml:context>
+    <inkml:brush xml:id="br0">
+      <inkml:brushProperty name="width" value="0.05" units="cm"/>
+      <inkml:brushProperty name="height" value="0.05" units="cm"/>
+      <inkml:brushProperty name="ignorePressure" value="1"/>
+    </inkml:brush>
+  </inkml:definitions>
+  <inkml:trace contextRef="#ctx0" brushRef="#br0">39 1,'0'4,"0"5,0 5,-4 1,-1 1,-1 2,2 2,-3-3,0 0,1-3</inkml:trace>
+</inkml:ink>
+</file>
+
+<file path=ppt/ink/ink355.xml><?xml version="1.0" encoding="utf-8"?>
+<inkml:ink xmlns:inkml="http://www.w3.org/2003/InkML">
+  <inkml:definitions>
+    <inkml:context xml:id="ctx0">
+      <inkml:inkSource xml:id="inkSrc0">
+        <inkml:traceFormat>
+          <inkml:channel name="X" type="integer" min="-2.14748E9" max="2.14748E9" units="cm"/>
+          <inkml:channel name="Y" type="integer" min="-2.14748E9" max="2.14748E9" units="cm"/>
+        </inkml:traceFormat>
+        <inkml:channelProperties>
+          <inkml:channelProperty channel="X" name="resolution" value="1000" units="1/cm"/>
+          <inkml:channelProperty channel="Y" name="resolution" value="1000" units="1/cm"/>
+        </inkml:channelProperties>
+      </inkml:inkSource>
+      <inkml:timestamp xml:id="ts0" timeString="2021-04-21T14:04:53.372"/>
+    </inkml:context>
+    <inkml:brush xml:id="br0">
+      <inkml:brushProperty name="width" value="0.05" units="cm"/>
+      <inkml:brushProperty name="height" value="0.05" units="cm"/>
+      <inkml:brushProperty name="ignorePressure" value="1"/>
+    </inkml:brush>
+  </inkml:definitions>
+  <inkml:trace contextRef="#ctx0" brushRef="#br0">1 286,'5'-1,"0"1,1-1,-1 0,0-1,0 1,0-1,0 0,0 0,0-1,-1 0,1 0,-1 0,1 0,-1 0,6-8,7-7,-1-1,16-25,-10 13,93-91,-106 111</inkml:trace>
+</inkml:ink>
+</file>
+
+<file path=ppt/ink/ink356.xml><?xml version="1.0" encoding="utf-8"?>
+<inkml:ink xmlns:inkml="http://www.w3.org/2003/InkML">
+  <inkml:definitions>
+    <inkml:context xml:id="ctx0">
+      <inkml:inkSource xml:id="inkSrc0">
+        <inkml:traceFormat>
+          <inkml:channel name="X" type="integer" min="-2.14748E9" max="2.14748E9" units="cm"/>
+          <inkml:channel name="Y" type="integer" min="-2.14748E9" max="2.14748E9" units="cm"/>
+        </inkml:traceFormat>
+        <inkml:channelProperties>
+          <inkml:channelProperty channel="X" name="resolution" value="1000" units="1/cm"/>
+          <inkml:channelProperty channel="Y" name="resolution" value="1000" units="1/cm"/>
+        </inkml:channelProperties>
+      </inkml:inkSource>
+      <inkml:timestamp xml:id="ts0" timeString="2021-04-21T14:04:53.953"/>
+    </inkml:context>
+    <inkml:brush xml:id="br0">
+      <inkml:brushProperty name="width" value="0.05" units="cm"/>
+      <inkml:brushProperty name="height" value="0.05" units="cm"/>
+      <inkml:brushProperty name="ignorePressure" value="1"/>
+    </inkml:brush>
+  </inkml:definitions>
+  <inkml:trace contextRef="#ctx0" brushRef="#br0">1 0,'81'89,"-52"-55,37 34,-57-60,14 12,32 36,-47-45</inkml:trace>
+</inkml:ink>
+</file>
+
+<file path=ppt/ink/ink357.xml><?xml version="1.0" encoding="utf-8"?>
+<inkml:ink xmlns:inkml="http://www.w3.org/2003/InkML">
+  <inkml:definitions>
+    <inkml:context xml:id="ctx0">
+      <inkml:inkSource xml:id="inkSrc0">
+        <inkml:traceFormat>
+          <inkml:channel name="X" type="integer" min="-2.14748E9" max="2.14748E9" units="cm"/>
+          <inkml:channel name="Y" type="integer" min="-2.14748E9" max="2.14748E9" units="cm"/>
+        </inkml:traceFormat>
+        <inkml:channelProperties>
+          <inkml:channelProperty channel="X" name="resolution" value="1000" units="1/cm"/>
+          <inkml:channelProperty channel="Y" name="resolution" value="1000" units="1/cm"/>
+        </inkml:channelProperties>
+      </inkml:inkSource>
+      <inkml:timestamp xml:id="ts0" timeString="2021-04-21T14:04:54.483"/>
+    </inkml:context>
+    <inkml:brush xml:id="br0">
+      <inkml:brushProperty name="width" value="0.05" units="cm"/>
+      <inkml:brushProperty name="height" value="0.05" units="cm"/>
+      <inkml:brushProperty name="ignorePressure" value="1"/>
+    </inkml:brush>
+  </inkml:definitions>
+  <inkml:trace contextRef="#ctx0" brushRef="#br0">3 0,'-1'55,"0"-20,1 0,1 0,3 0,7 38,-7-54,-1 1,-1 0,0 26,-2-26</inkml:trace>
+</inkml:ink>
+</file>
+
+<file path=ppt/ink/ink358.xml><?xml version="1.0" encoding="utf-8"?>
+<inkml:ink xmlns:inkml="http://www.w3.org/2003/InkML">
+  <inkml:definitions>
+    <inkml:context xml:id="ctx0">
+      <inkml:inkSource xml:id="inkSrc0">
+        <inkml:traceFormat>
+          <inkml:channel name="X" type="integer" min="-2.14748E9" max="2.14748E9" units="cm"/>
+          <inkml:channel name="Y" type="integer" min="-2.14748E9" max="2.14748E9" units="cm"/>
+        </inkml:traceFormat>
+        <inkml:channelProperties>
+          <inkml:channelProperty channel="X" name="resolution" value="1000" units="1/cm"/>
+          <inkml:channelProperty channel="Y" name="resolution" value="1000" units="1/cm"/>
+        </inkml:channelProperties>
+      </inkml:inkSource>
+      <inkml:timestamp xml:id="ts0" timeString="2021-04-21T14:04:54.948"/>
+    </inkml:context>
+    <inkml:brush xml:id="br0">
+      <inkml:brushProperty name="width" value="0.05" units="cm"/>
+      <inkml:brushProperty name="height" value="0.05" units="cm"/>
+      <inkml:brushProperty name="ignorePressure" value="1"/>
+    </inkml:brush>
+  </inkml:definitions>
+  <inkml:trace contextRef="#ctx0" brushRef="#br0">0 1,'4'0,"6"0,4 0,4 0,4 0,1 0,0 0,2 0,-1 0,0 0,0 0,0 0,-1 0,-3 4,-6 1</inkml:trace>
+</inkml:ink>
+</file>
+
+<file path=ppt/ink/ink359.xml><?xml version="1.0" encoding="utf-8"?>
+<inkml:ink xmlns:inkml="http://www.w3.org/2003/InkML">
+  <inkml:definitions>
+    <inkml:context xml:id="ctx0">
+      <inkml:inkSource xml:id="inkSrc0">
+        <inkml:traceFormat>
+          <inkml:channel name="X" type="integer" min="-2.14748E9" max="2.14748E9" units="cm"/>
+          <inkml:channel name="Y" type="integer" min="-2.14748E9" max="2.14748E9" units="cm"/>
+        </inkml:traceFormat>
+        <inkml:channelProperties>
+          <inkml:channelProperty channel="X" name="resolution" value="1000" units="1/cm"/>
+          <inkml:channelProperty channel="Y" name="resolution" value="1000" units="1/cm"/>
+        </inkml:channelProperties>
+      </inkml:inkSource>
+      <inkml:timestamp xml:id="ts0" timeString="2021-04-21T14:07:24.838"/>
+    </inkml:context>
+    <inkml:brush xml:id="br0">
+      <inkml:brushProperty name="width" value="0.05" units="cm"/>
+      <inkml:brushProperty name="height" value="0.05" units="cm"/>
+      <inkml:brushProperty name="ignorePressure" value="1"/>
+    </inkml:brush>
+  </inkml:definitions>
+  <inkml:trace contextRef="#ctx0" brushRef="#br0">71 1,'0'45,"1"-11,-1 1,-2 0,-11 60,-1 4,4-22,5-31,1-1,5 89,-2 37,-10-101,6-49,2 0,-1 30,4 109,0-145</inkml:trace>
+</inkml:ink>
+</file>
+
 <file path=ppt/ink/ink36.xml><?xml version="1.0" encoding="utf-8"?>
 <inkml:ink xmlns:inkml="http://www.w3.org/2003/InkML">
   <inkml:definitions>
@@ -7008,6 +7661,214 @@
     </inkml:brush>
   </inkml:definitions>
   <inkml:trace contextRef="#ctx0" brushRef="#br0">233 1327,'-1'-48,"-2"0,-11-49,-33-202,44 255,2-87,0-19,-10 87,-1-14,-12-110,24 178,-1 0,1 1,-2-1,1 0,-1 1,-1-1,0 1,0 0,0-1,-1 1,0 1,-1-1,0 1,0 0,0 0,-1 0,0 1,-1-1,1 2,-1-1,0 1,-9-6,2 5</inkml:trace>
+</inkml:ink>
+</file>
+
+<file path=ppt/ink/ink360.xml><?xml version="1.0" encoding="utf-8"?>
+<inkml:ink xmlns:inkml="http://www.w3.org/2003/InkML">
+  <inkml:definitions>
+    <inkml:context xml:id="ctx0">
+      <inkml:inkSource xml:id="inkSrc0">
+        <inkml:traceFormat>
+          <inkml:channel name="X" type="integer" min="-2.14748E9" max="2.14748E9" units="cm"/>
+          <inkml:channel name="Y" type="integer" min="-2.14748E9" max="2.14748E9" units="cm"/>
+        </inkml:traceFormat>
+        <inkml:channelProperties>
+          <inkml:channelProperty channel="X" name="resolution" value="1000" units="1/cm"/>
+          <inkml:channelProperty channel="Y" name="resolution" value="1000" units="1/cm"/>
+        </inkml:channelProperties>
+      </inkml:inkSource>
+      <inkml:timestamp xml:id="ts0" timeString="2021-04-21T14:07:28.036"/>
+    </inkml:context>
+    <inkml:brush xml:id="br0">
+      <inkml:brushProperty name="width" value="0.05" units="cm"/>
+      <inkml:brushProperty name="height" value="0.05" units="cm"/>
+      <inkml:brushProperty name="ignorePressure" value="1"/>
+    </inkml:brush>
+  </inkml:definitions>
+  <inkml:trace contextRef="#ctx0" brushRef="#br0">72 0,'-2'13,"0"0,0-1,-1 0,-1 1,0-1,-7 13,-5 18,9-21,2-11,2 1,-1-1,1 1,1 0,-1 14,3-24,0 0,0 1,0-1,0 0,0 0,1 0,-1 0,1 1,0-1,-1 0,1 0,0 0,0 0,0 0,1-1,-1 1,0 0,1 0,-1-1,1 1,0-1,-1 1,1-1,0 0,0 0,0 0,0 0,0 0,0 0,0 0,0-1,0 1,0-1,3 1,63 2,-48-4</inkml:trace>
+</inkml:ink>
+</file>
+
+<file path=ppt/ink/ink361.xml><?xml version="1.0" encoding="utf-8"?>
+<inkml:ink xmlns:inkml="http://www.w3.org/2003/InkML">
+  <inkml:definitions>
+    <inkml:context xml:id="ctx0">
+      <inkml:inkSource xml:id="inkSrc0">
+        <inkml:traceFormat>
+          <inkml:channel name="X" type="integer" min="-2.14748E9" max="2.14748E9" units="cm"/>
+          <inkml:channel name="Y" type="integer" min="-2.14748E9" max="2.14748E9" units="cm"/>
+        </inkml:traceFormat>
+        <inkml:channelProperties>
+          <inkml:channelProperty channel="X" name="resolution" value="1000" units="1/cm"/>
+          <inkml:channelProperty channel="Y" name="resolution" value="1000" units="1/cm"/>
+        </inkml:channelProperties>
+      </inkml:inkSource>
+      <inkml:timestamp xml:id="ts0" timeString="2021-04-21T14:07:28.356"/>
+    </inkml:context>
+    <inkml:brush xml:id="br0">
+      <inkml:brushProperty name="width" value="0.05" units="cm"/>
+      <inkml:brushProperty name="height" value="0.05" units="cm"/>
+      <inkml:brushProperty name="ignorePressure" value="1"/>
+    </inkml:brush>
+  </inkml:definitions>
+  <inkml:trace contextRef="#ctx0" brushRef="#br0">0 1</inkml:trace>
+</inkml:ink>
+</file>
+
+<file path=ppt/ink/ink362.xml><?xml version="1.0" encoding="utf-8"?>
+<inkml:ink xmlns:inkml="http://www.w3.org/2003/InkML">
+  <inkml:definitions>
+    <inkml:context xml:id="ctx0">
+      <inkml:inkSource xml:id="inkSrc0">
+        <inkml:traceFormat>
+          <inkml:channel name="X" type="integer" min="-2.14748E9" max="2.14748E9" units="cm"/>
+          <inkml:channel name="Y" type="integer" min="-2.14748E9" max="2.14748E9" units="cm"/>
+        </inkml:traceFormat>
+        <inkml:channelProperties>
+          <inkml:channelProperty channel="X" name="resolution" value="1000" units="1/cm"/>
+          <inkml:channelProperty channel="Y" name="resolution" value="1000" units="1/cm"/>
+        </inkml:channelProperties>
+      </inkml:inkSource>
+      <inkml:timestamp xml:id="ts0" timeString="2021-04-21T14:07:30.493"/>
+    </inkml:context>
+    <inkml:brush xml:id="br0">
+      <inkml:brushProperty name="width" value="0.05" units="cm"/>
+      <inkml:brushProperty name="height" value="0.05" units="cm"/>
+      <inkml:brushProperty name="ignorePressure" value="1"/>
+    </inkml:brush>
+  </inkml:definitions>
+  <inkml:trace contextRef="#ctx0" brushRef="#br0">26 301,'-1'-17,"-1"-1,-7-30,-3-32,11 60,1-48,0 65,0 1,0 0,1 0,-1-1,1 1,-1 0,1 0,0 0,0 0,0-1,0 1,0 1,0-1,1 0,-1 0,0 0,1 1,0-1,-1 0,1 1,0 0,0-1,3-1,-3 3,0 0,-1-1,1 1,0 0,0 0,0 0,0 0,-1 0,1 0,0 1,0-1,-1 1,1-1,0 1,0 0,-1-1,1 1,-1 0,1 0,-1 0,1 0,-1 1,0-1,1 0,-1 1,0-1,0 0,0 1,0-1,0 1,0 0,0-1,-1 1,1 0,-1-1,1 4,4 8,-2 0,0 0,3 21,-6-31,19 95,-17-79</inkml:trace>
+</inkml:ink>
+</file>
+
+<file path=ppt/ink/ink363.xml><?xml version="1.0" encoding="utf-8"?>
+<inkml:ink xmlns:inkml="http://www.w3.org/2003/InkML">
+  <inkml:definitions>
+    <inkml:context xml:id="ctx0">
+      <inkml:inkSource xml:id="inkSrc0">
+        <inkml:traceFormat>
+          <inkml:channel name="X" type="integer" min="-2.14748E9" max="2.14748E9" units="cm"/>
+          <inkml:channel name="Y" type="integer" min="-2.14748E9" max="2.14748E9" units="cm"/>
+        </inkml:traceFormat>
+        <inkml:channelProperties>
+          <inkml:channelProperty channel="X" name="resolution" value="1000" units="1/cm"/>
+          <inkml:channelProperty channel="Y" name="resolution" value="1000" units="1/cm"/>
+        </inkml:channelProperties>
+      </inkml:inkSource>
+      <inkml:timestamp xml:id="ts0" timeString="2021-04-21T14:07:31.752"/>
+    </inkml:context>
+    <inkml:brush xml:id="br0">
+      <inkml:brushProperty name="width" value="0.05" units="cm"/>
+      <inkml:brushProperty name="height" value="0.05" units="cm"/>
+      <inkml:brushProperty name="ignorePressure" value="1"/>
+    </inkml:brush>
+  </inkml:definitions>
+  <inkml:trace contextRef="#ctx0" brushRef="#br0">187 0,'-7'1,"0"0,-1 0,1 0,0 1,0 0,1 1,-1-1,0 1,1 1,0-1,-1 1,2 0,-1 0,0 1,1 0,0 0,-7 8,4-3,1-1,0 1,0 0,1 1,1-1,0 1,0 0,1 1,-5 22,8-31,1 0,-1 0,1 0,0 0,0 0,0 0,0 0,1 0,-1 0,1 0,0 0,0 0,0 0,0 0,0 0,1-1,-1 1,1-1,0 1,-1-1,1 1,0-1,1 0,-1 0,0 0,0 0,1 0,0-1,-1 1,1-1,0 0,-1 0,1 0,0 0,0 0,0 0,5 0,14 2,0 0,-1-2,1 0,28-4,-18 2,14 0,-26 1</inkml:trace>
+</inkml:ink>
+</file>
+
+<file path=ppt/ink/ink364.xml><?xml version="1.0" encoding="utf-8"?>
+<inkml:ink xmlns:inkml="http://www.w3.org/2003/InkML">
+  <inkml:definitions>
+    <inkml:context xml:id="ctx0">
+      <inkml:inkSource xml:id="inkSrc0">
+        <inkml:traceFormat>
+          <inkml:channel name="X" type="integer" min="-2.14748E9" max="2.14748E9" units="cm"/>
+          <inkml:channel name="Y" type="integer" min="-2.14748E9" max="2.14748E9" units="cm"/>
+        </inkml:traceFormat>
+        <inkml:channelProperties>
+          <inkml:channelProperty channel="X" name="resolution" value="1000" units="1/cm"/>
+          <inkml:channelProperty channel="Y" name="resolution" value="1000" units="1/cm"/>
+        </inkml:channelProperties>
+      </inkml:inkSource>
+      <inkml:timestamp xml:id="ts0" timeString="2021-04-21T14:07:33.548"/>
+    </inkml:context>
+    <inkml:brush xml:id="br0">
+      <inkml:brushProperty name="width" value="0.05" units="cm"/>
+      <inkml:brushProperty name="height" value="0.05" units="cm"/>
+      <inkml:brushProperty name="ignorePressure" value="1"/>
+    </inkml:brush>
+  </inkml:definitions>
+  <inkml:trace contextRef="#ctx0" brushRef="#br0">81 169,'17'0,"0"-1,1-1,-1 0,0-1,26-8,-37 9,0 0,0 0,0-1,0 0,0 0,-1-1,1 0,-1 0,0 0,0-1,-1 1,1-1,-1 0,0 0,0-1,-1 1,0-1,3-6,-5 10,0 1,0-1,-1 1,1-1,-1 1,1-1,-1 0,0 1,0-1,1 0,-1 1,0-1,-1 0,1 1,0-1,0 0,-1 1,1-1,-1 1,1-1,-1 0,0 1,0-1,1 1,-1 0,-2-2,1 0,-1 1,0 0,0 1,0-1,0 0,0 1,0 0,-1 0,1 0,0 0,0 0,-5 0,-10-1,0 2,-1-1,-31 5,43-3,-1 0,1 1,0 0,0 0,0 0,0 1,0 0,1 0,-1 1,1-1,0 2,0-1,0 1,0 0,1 0,0 0,0 1,0-1,1 1,0 0,0 1,1-1,-1 1,1 0,1 0,-1 0,-1 12,4-15,0-1,1 0,0 0,-1 0,1 1,1-1,-1 0,0 0,1-1,-1 1,1 0,0 0,0-1,0 1,0-1,1 0,-1 1,1-1,-1 0,1 0,0-1,4 3,11 6,0 0,25 8,-40-16,16 3,-1 0,1-1,-1-1,1-1,0-1,0 0,24-3,-29 1,6 1</inkml:trace>
+</inkml:ink>
+</file>
+
+<file path=ppt/ink/ink365.xml><?xml version="1.0" encoding="utf-8"?>
+<inkml:ink xmlns:inkml="http://www.w3.org/2003/InkML">
+  <inkml:definitions>
+    <inkml:context xml:id="ctx0">
+      <inkml:inkSource xml:id="inkSrc0">
+        <inkml:traceFormat>
+          <inkml:channel name="X" type="integer" min="-2.14748E9" max="2.14748E9" units="cm"/>
+          <inkml:channel name="Y" type="integer" min="-2.14748E9" max="2.14748E9" units="cm"/>
+        </inkml:traceFormat>
+        <inkml:channelProperties>
+          <inkml:channelProperty channel="X" name="resolution" value="1000" units="1/cm"/>
+          <inkml:channelProperty channel="Y" name="resolution" value="1000" units="1/cm"/>
+        </inkml:channelProperties>
+      </inkml:inkSource>
+      <inkml:timestamp xml:id="ts0" timeString="2021-04-21T14:07:34.584"/>
+    </inkml:context>
+    <inkml:brush xml:id="br0">
+      <inkml:brushProperty name="width" value="0.05" units="cm"/>
+      <inkml:brushProperty name="height" value="0.05" units="cm"/>
+      <inkml:brushProperty name="ignorePressure" value="1"/>
+    </inkml:brush>
+  </inkml:definitions>
+  <inkml:trace contextRef="#ctx0" brushRef="#br0">23 2,'59'-1,"67"2,-123-1,-1 1,0-1,0 0,0 1,1 0,-1-1,0 1,0 0,0 0,0 0,0 0,0 1,0-1,0 0,-1 1,1-1,-1 1,1 0,-1 0,3 3,-2-1,0 0,-1 0,1 0,-1 0,0 0,0 0,-1 0,1 1,-1-1,0 7,0-3,-1 0,0 1,-1-1,1 0,-2 0,1-1,-1 1,0 0,-1-1,1 0,-8 11,-2-5,0-1,-1-1,-1 0,0 0,0-2,-1 0,0 0,0-2,-1 0,0-1,-26 6,26-9</inkml:trace>
+</inkml:ink>
+</file>
+
+<file path=ppt/ink/ink366.xml><?xml version="1.0" encoding="utf-8"?>
+<inkml:ink xmlns:inkml="http://www.w3.org/2003/InkML">
+  <inkml:definitions>
+    <inkml:context xml:id="ctx0">
+      <inkml:inkSource xml:id="inkSrc0">
+        <inkml:traceFormat>
+          <inkml:channel name="X" type="integer" min="-2.14748E9" max="2.14748E9" units="cm"/>
+          <inkml:channel name="Y" type="integer" min="-2.14748E9" max="2.14748E9" units="cm"/>
+        </inkml:traceFormat>
+        <inkml:channelProperties>
+          <inkml:channelProperty channel="X" name="resolution" value="1000" units="1/cm"/>
+          <inkml:channelProperty channel="Y" name="resolution" value="1000" units="1/cm"/>
+        </inkml:channelProperties>
+      </inkml:inkSource>
+      <inkml:timestamp xml:id="ts0" timeString="2021-04-21T14:07:35.353"/>
+    </inkml:context>
+    <inkml:brush xml:id="br0">
+      <inkml:brushProperty name="width" value="0.05" units="cm"/>
+      <inkml:brushProperty name="height" value="0.05" units="cm"/>
+      <inkml:brushProperty name="ignorePressure" value="1"/>
+    </inkml:brush>
+  </inkml:definitions>
+  <inkml:trace contextRef="#ctx0" brushRef="#br0">166 1,'-8'0,"0"1,1 0,-1 1,0-1,1 2,-1-1,1 1,0 0,0 0,0 1,0 0,1 0,-1 1,1 0,0 0,1 0,-1 1,1 0,-6 8,8-10,0 0,1 1,-1-1,1 1,0-1,0 1,0 0,1 0,-1 0,1 0,0 0,1 0,-1 1,1-1,0 0,1 0,-1 0,1 0,0 0,0 1,0-1,1-1,0 1,0 0,0 0,0-1,1 1,0-1,6 8,-4-8,-1 1,1-1,1 1,-1-1,0-1,1 1,0-1,0 0,0-1,0 1,0-1,1 0,-1-1,9 2,9 0,1-2,36-1,-36-1,-5 1</inkml:trace>
+</inkml:ink>
+</file>
+
+<file path=ppt/ink/ink367.xml><?xml version="1.0" encoding="utf-8"?>
+<inkml:ink xmlns:inkml="http://www.w3.org/2003/InkML">
+  <inkml:definitions>
+    <inkml:context xml:id="ctx0">
+      <inkml:inkSource xml:id="inkSrc0">
+        <inkml:traceFormat>
+          <inkml:channel name="X" type="integer" min="-2.14748E9" max="2.14748E9" units="cm"/>
+          <inkml:channel name="Y" type="integer" min="-2.14748E9" max="2.14748E9" units="cm"/>
+        </inkml:traceFormat>
+        <inkml:channelProperties>
+          <inkml:channelProperty channel="X" name="resolution" value="1000" units="1/cm"/>
+          <inkml:channelProperty channel="Y" name="resolution" value="1000" units="1/cm"/>
+        </inkml:channelProperties>
+      </inkml:inkSource>
+      <inkml:timestamp xml:id="ts0" timeString="2021-04-21T14:07:46.866"/>
+    </inkml:context>
+    <inkml:brush xml:id="br0">
+      <inkml:brushProperty name="width" value="0.05" units="cm"/>
+      <inkml:brushProperty name="height" value="0.05" units="cm"/>
+      <inkml:brushProperty name="ignorePressure" value="1"/>
+    </inkml:brush>
+  </inkml:definitions>
+  <inkml:trace contextRef="#ctx0" brushRef="#br0">24 349,'5'-1,"1"0,0 0,-1 0,1-1,-1 0,1 0,-1 0,0-1,0 0,0 0,0 0,0 0,-1-1,0 0,0 0,0 0,7-10,5-7,-1-1,18-35,-29 50,0-1,0-1,0 1,-1-1,0 0,-1-1,0 1,0 0,-1-1,0 1,-1 0,0-1,0 1,-1-1,-1 1,-2-12,4 20,-1-1,1 1,-1-1,1 1,-1 0,0-1,0 1,0 0,1 0,-1 0,0-1,0 1,-1 0,1 0,0 0,0 0,0 1,-1-1,1 0,0 1,-1-1,1 0,-1 1,1 0,-3-1,1 1,1 0,-1 1,1-1,0 1,-1 0,1 0,0 0,0 0,0 0,-1 0,1 1,0-1,0 1,-2 1,-4 5,1 0,0 1,0-1,0 1,-9 19,8-11,-49 114,51-116,2 0,0 1,0 0,1 0,1 0,1 27,1-40,1 0,0 0,0 1,0-1,0 0,0 0,1 0,0 0,-1 0,1-1,0 1,0-1,1 1,-1-1,0 1,1-1,-1 0,1 0,0 0,0-1,0 1,0-1,0 0,0 1,0-1,0 0,0-1,1 1,3 0,3 1,-1-1,1 0,0 0,0-1,-1-1,1 1,0-1,18-5,-13 1</inkml:trace>
 </inkml:ink>
 </file>
 
@@ -19255,8 +20116,8 @@
           </mc:Fallback>
         </mc:AlternateContent>
       </p:grpSp>
-      <mc:AlternateContent xmlns:mc="http://schemas.openxmlformats.org/markup-compatibility/2006">
-        <mc:Choice xmlns:p14="http://schemas.microsoft.com/office/powerpoint/2010/main" Requires="p14">
+      <mc:AlternateContent xmlns:mc="http://schemas.openxmlformats.org/markup-compatibility/2006" xmlns:p14="http://schemas.microsoft.com/office/powerpoint/2010/main">
+        <mc:Choice Requires="p14">
           <p:contentPart p14:bwMode="auto" r:id="rId232">
             <p14:nvContentPartPr>
               <p14:cNvPr id="6" name="Encre 5">
@@ -19275,7 +20136,7 @@
             </p14:xfrm>
           </p:contentPart>
         </mc:Choice>
-        <mc:Fallback>
+        <mc:Fallback xmlns="">
           <p:pic>
             <p:nvPicPr>
               <p:cNvPr id="6" name="Encre 5">
@@ -19781,8 +20642,8 @@
             <a:chExt cx="267840" cy="162720"/>
           </a:xfrm>
         </p:grpSpPr>
-        <mc:AlternateContent xmlns:mc="http://schemas.openxmlformats.org/markup-compatibility/2006">
-          <mc:Choice xmlns:p14="http://schemas.microsoft.com/office/powerpoint/2010/main" Requires="p14">
+        <mc:AlternateContent xmlns:mc="http://schemas.openxmlformats.org/markup-compatibility/2006" xmlns:p14="http://schemas.microsoft.com/office/powerpoint/2010/main">
+          <mc:Choice Requires="p14">
             <p:contentPart p14:bwMode="auto" r:id="rId234">
               <p14:nvContentPartPr>
                 <p14:cNvPr id="22" name="Encre 21">
@@ -19801,7 +20662,7 @@
               </p14:xfrm>
             </p:contentPart>
           </mc:Choice>
-          <mc:Fallback>
+          <mc:Fallback xmlns="">
             <p:pic>
               <p:nvPicPr>
                 <p:cNvPr id="22" name="Encre 21">
@@ -19832,8 +20693,8 @@
             </p:pic>
           </mc:Fallback>
         </mc:AlternateContent>
-        <mc:AlternateContent xmlns:mc="http://schemas.openxmlformats.org/markup-compatibility/2006">
-          <mc:Choice xmlns:p14="http://schemas.microsoft.com/office/powerpoint/2010/main" Requires="p14">
+        <mc:AlternateContent xmlns:mc="http://schemas.openxmlformats.org/markup-compatibility/2006" xmlns:p14="http://schemas.microsoft.com/office/powerpoint/2010/main">
+          <mc:Choice Requires="p14">
             <p:contentPart p14:bwMode="auto" r:id="rId236">
               <p14:nvContentPartPr>
                 <p14:cNvPr id="23" name="Encre 22">
@@ -19852,7 +20713,7 @@
               </p14:xfrm>
             </p:contentPart>
           </mc:Choice>
-          <mc:Fallback>
+          <mc:Fallback xmlns="">
             <p:pic>
               <p:nvPicPr>
                 <p:cNvPr id="23" name="Encre 22">
@@ -19883,8 +20744,8 @@
             </p:pic>
           </mc:Fallback>
         </mc:AlternateContent>
-        <mc:AlternateContent xmlns:mc="http://schemas.openxmlformats.org/markup-compatibility/2006">
-          <mc:Choice xmlns:p14="http://schemas.microsoft.com/office/powerpoint/2010/main" Requires="p14">
+        <mc:AlternateContent xmlns:mc="http://schemas.openxmlformats.org/markup-compatibility/2006" xmlns:p14="http://schemas.microsoft.com/office/powerpoint/2010/main">
+          <mc:Choice Requires="p14">
             <p:contentPart p14:bwMode="auto" r:id="rId238">
               <p14:nvContentPartPr>
                 <p14:cNvPr id="25" name="Encre 24">
@@ -19903,7 +20764,7 @@
               </p14:xfrm>
             </p:contentPart>
           </mc:Choice>
-          <mc:Fallback>
+          <mc:Fallback xmlns="">
             <p:pic>
               <p:nvPicPr>
                 <p:cNvPr id="25" name="Encre 24">
@@ -19934,8 +20795,8 @@
             </p:pic>
           </mc:Fallback>
         </mc:AlternateContent>
-        <mc:AlternateContent xmlns:mc="http://schemas.openxmlformats.org/markup-compatibility/2006">
-          <mc:Choice xmlns:p14="http://schemas.microsoft.com/office/powerpoint/2010/main" Requires="p14">
+        <mc:AlternateContent xmlns:mc="http://schemas.openxmlformats.org/markup-compatibility/2006" xmlns:p14="http://schemas.microsoft.com/office/powerpoint/2010/main">
+          <mc:Choice Requires="p14">
             <p:contentPart p14:bwMode="auto" r:id="rId240">
               <p14:nvContentPartPr>
                 <p14:cNvPr id="232" name="Encre 231">
@@ -19954,7 +20815,7 @@
               </p14:xfrm>
             </p:contentPart>
           </mc:Choice>
-          <mc:Fallback>
+          <mc:Fallback xmlns="">
             <p:pic>
               <p:nvPicPr>
                 <p:cNvPr id="232" name="Encre 231">
@@ -19985,8 +20846,8 @@
             </p:pic>
           </mc:Fallback>
         </mc:AlternateContent>
-        <mc:AlternateContent xmlns:mc="http://schemas.openxmlformats.org/markup-compatibility/2006">
-          <mc:Choice xmlns:p14="http://schemas.microsoft.com/office/powerpoint/2010/main" Requires="p14">
+        <mc:AlternateContent xmlns:mc="http://schemas.openxmlformats.org/markup-compatibility/2006" xmlns:p14="http://schemas.microsoft.com/office/powerpoint/2010/main">
+          <mc:Choice Requires="p14">
             <p:contentPart p14:bwMode="auto" r:id="rId242">
               <p14:nvContentPartPr>
                 <p14:cNvPr id="233" name="Encre 232">
@@ -20005,7 +20866,7 @@
               </p14:xfrm>
             </p:contentPart>
           </mc:Choice>
-          <mc:Fallback>
+          <mc:Fallback xmlns="">
             <p:pic>
               <p:nvPicPr>
                 <p:cNvPr id="233" name="Encre 232">
@@ -20036,8 +20897,8 @@
             </p:pic>
           </mc:Fallback>
         </mc:AlternateContent>
-        <mc:AlternateContent xmlns:mc="http://schemas.openxmlformats.org/markup-compatibility/2006">
-          <mc:Choice xmlns:p14="http://schemas.microsoft.com/office/powerpoint/2010/main" Requires="p14">
+        <mc:AlternateContent xmlns:mc="http://schemas.openxmlformats.org/markup-compatibility/2006" xmlns:p14="http://schemas.microsoft.com/office/powerpoint/2010/main">
+          <mc:Choice Requires="p14">
             <p:contentPart p14:bwMode="auto" r:id="rId244">
               <p14:nvContentPartPr>
                 <p14:cNvPr id="234" name="Encre 233">
@@ -20056,7 +20917,7 @@
               </p14:xfrm>
             </p:contentPart>
           </mc:Choice>
-          <mc:Fallback>
+          <mc:Fallback xmlns="">
             <p:pic>
               <p:nvPicPr>
                 <p:cNvPr id="234" name="Encre 233">
@@ -20088,8 +20949,8 @@
           </mc:Fallback>
         </mc:AlternateContent>
       </p:grpSp>
-      <mc:AlternateContent xmlns:mc="http://schemas.openxmlformats.org/markup-compatibility/2006">
-        <mc:Choice xmlns:p14="http://schemas.microsoft.com/office/powerpoint/2010/main" Requires="p14">
+      <mc:AlternateContent xmlns:mc="http://schemas.openxmlformats.org/markup-compatibility/2006" xmlns:p14="http://schemas.microsoft.com/office/powerpoint/2010/main">
+        <mc:Choice Requires="p14">
           <p:contentPart p14:bwMode="auto" r:id="rId246">
             <p14:nvContentPartPr>
               <p14:cNvPr id="245" name="Encre 244">
@@ -20108,7 +20969,7 @@
             </p14:xfrm>
           </p:contentPart>
         </mc:Choice>
-        <mc:Fallback>
+        <mc:Fallback xmlns="">
           <p:pic>
             <p:nvPicPr>
               <p:cNvPr id="245" name="Encre 244">
@@ -20159,8 +21020,8 @@
             <a:chExt cx="368640" cy="749520"/>
           </a:xfrm>
         </p:grpSpPr>
-        <mc:AlternateContent xmlns:mc="http://schemas.openxmlformats.org/markup-compatibility/2006">
-          <mc:Choice xmlns:p14="http://schemas.microsoft.com/office/powerpoint/2010/main" Requires="p14">
+        <mc:AlternateContent xmlns:mc="http://schemas.openxmlformats.org/markup-compatibility/2006" xmlns:p14="http://schemas.microsoft.com/office/powerpoint/2010/main">
+          <mc:Choice Requires="p14">
             <p:contentPart p14:bwMode="auto" r:id="rId248">
               <p14:nvContentPartPr>
                 <p14:cNvPr id="7" name="Encre 6">
@@ -20179,7 +21040,7 @@
               </p14:xfrm>
             </p:contentPart>
           </mc:Choice>
-          <mc:Fallback>
+          <mc:Fallback xmlns="">
             <p:pic>
               <p:nvPicPr>
                 <p:cNvPr id="7" name="Encre 6">
@@ -20210,8 +21071,8 @@
             </p:pic>
           </mc:Fallback>
         </mc:AlternateContent>
-        <mc:AlternateContent xmlns:mc="http://schemas.openxmlformats.org/markup-compatibility/2006">
-          <mc:Choice xmlns:p14="http://schemas.microsoft.com/office/powerpoint/2010/main" Requires="p14">
+        <mc:AlternateContent xmlns:mc="http://schemas.openxmlformats.org/markup-compatibility/2006" xmlns:p14="http://schemas.microsoft.com/office/powerpoint/2010/main">
+          <mc:Choice Requires="p14">
             <p:contentPart p14:bwMode="auto" r:id="rId250">
               <p14:nvContentPartPr>
                 <p14:cNvPr id="8" name="Encre 7">
@@ -20230,7 +21091,7 @@
               </p14:xfrm>
             </p:contentPart>
           </mc:Choice>
-          <mc:Fallback>
+          <mc:Fallback xmlns="">
             <p:pic>
               <p:nvPicPr>
                 <p:cNvPr id="8" name="Encre 7">
@@ -20261,8 +21122,8 @@
             </p:pic>
           </mc:Fallback>
         </mc:AlternateContent>
-        <mc:AlternateContent xmlns:mc="http://schemas.openxmlformats.org/markup-compatibility/2006">
-          <mc:Choice xmlns:p14="http://schemas.microsoft.com/office/powerpoint/2010/main" Requires="p14">
+        <mc:AlternateContent xmlns:mc="http://schemas.openxmlformats.org/markup-compatibility/2006" xmlns:p14="http://schemas.microsoft.com/office/powerpoint/2010/main">
+          <mc:Choice Requires="p14">
             <p:contentPart p14:bwMode="auto" r:id="rId252">
               <p14:nvContentPartPr>
                 <p14:cNvPr id="9" name="Encre 8">
@@ -20281,7 +21142,7 @@
               </p14:xfrm>
             </p:contentPart>
           </mc:Choice>
-          <mc:Fallback>
+          <mc:Fallback xmlns="">
             <p:pic>
               <p:nvPicPr>
                 <p:cNvPr id="9" name="Encre 8">
@@ -20312,8 +21173,8 @@
             </p:pic>
           </mc:Fallback>
         </mc:AlternateContent>
-        <mc:AlternateContent xmlns:mc="http://schemas.openxmlformats.org/markup-compatibility/2006">
-          <mc:Choice xmlns:p14="http://schemas.microsoft.com/office/powerpoint/2010/main" Requires="p14">
+        <mc:AlternateContent xmlns:mc="http://schemas.openxmlformats.org/markup-compatibility/2006" xmlns:p14="http://schemas.microsoft.com/office/powerpoint/2010/main">
+          <mc:Choice Requires="p14">
             <p:contentPart p14:bwMode="auto" r:id="rId254">
               <p14:nvContentPartPr>
                 <p14:cNvPr id="14" name="Encre 13">
@@ -20332,7 +21193,7 @@
               </p14:xfrm>
             </p:contentPart>
           </mc:Choice>
-          <mc:Fallback>
+          <mc:Fallback xmlns="">
             <p:pic>
               <p:nvPicPr>
                 <p:cNvPr id="14" name="Encre 13">
@@ -20363,8 +21224,8 @@
             </p:pic>
           </mc:Fallback>
         </mc:AlternateContent>
-        <mc:AlternateContent xmlns:mc="http://schemas.openxmlformats.org/markup-compatibility/2006">
-          <mc:Choice xmlns:p14="http://schemas.microsoft.com/office/powerpoint/2010/main" Requires="p14">
+        <mc:AlternateContent xmlns:mc="http://schemas.openxmlformats.org/markup-compatibility/2006" xmlns:p14="http://schemas.microsoft.com/office/powerpoint/2010/main">
+          <mc:Choice Requires="p14">
             <p:contentPart p14:bwMode="auto" r:id="rId256">
               <p14:nvContentPartPr>
                 <p14:cNvPr id="16" name="Encre 15">
@@ -20383,7 +21244,7 @@
               </p14:xfrm>
             </p:contentPart>
           </mc:Choice>
-          <mc:Fallback>
+          <mc:Fallback xmlns="">
             <p:pic>
               <p:nvPicPr>
                 <p:cNvPr id="16" name="Encre 15">
@@ -20414,8 +21275,8 @@
             </p:pic>
           </mc:Fallback>
         </mc:AlternateContent>
-        <mc:AlternateContent xmlns:mc="http://schemas.openxmlformats.org/markup-compatibility/2006">
-          <mc:Choice xmlns:p14="http://schemas.microsoft.com/office/powerpoint/2010/main" Requires="p14">
+        <mc:AlternateContent xmlns:mc="http://schemas.openxmlformats.org/markup-compatibility/2006" xmlns:p14="http://schemas.microsoft.com/office/powerpoint/2010/main">
+          <mc:Choice Requires="p14">
             <p:contentPart p14:bwMode="auto" r:id="rId258">
               <p14:nvContentPartPr>
                 <p14:cNvPr id="19" name="Encre 18">
@@ -20434,7 +21295,7 @@
               </p14:xfrm>
             </p:contentPart>
           </mc:Choice>
-          <mc:Fallback>
+          <mc:Fallback xmlns="">
             <p:pic>
               <p:nvPicPr>
                 <p:cNvPr id="19" name="Encre 18">
@@ -20465,8 +21326,8 @@
             </p:pic>
           </mc:Fallback>
         </mc:AlternateContent>
-        <mc:AlternateContent xmlns:mc="http://schemas.openxmlformats.org/markup-compatibility/2006">
-          <mc:Choice xmlns:p14="http://schemas.microsoft.com/office/powerpoint/2010/main" Requires="p14">
+        <mc:AlternateContent xmlns:mc="http://schemas.openxmlformats.org/markup-compatibility/2006" xmlns:p14="http://schemas.microsoft.com/office/powerpoint/2010/main">
+          <mc:Choice Requires="p14">
             <p:contentPart p14:bwMode="auto" r:id="rId260">
               <p14:nvContentPartPr>
                 <p14:cNvPr id="248" name="Encre 247">
@@ -20485,7 +21346,7 @@
               </p14:xfrm>
             </p:contentPart>
           </mc:Choice>
-          <mc:Fallback>
+          <mc:Fallback xmlns="">
             <p:pic>
               <p:nvPicPr>
                 <p:cNvPr id="248" name="Encre 247">
@@ -20537,8 +21398,8 @@
             <a:chExt cx="223560" cy="206640"/>
           </a:xfrm>
         </p:grpSpPr>
-        <mc:AlternateContent xmlns:mc="http://schemas.openxmlformats.org/markup-compatibility/2006">
-          <mc:Choice xmlns:p14="http://schemas.microsoft.com/office/powerpoint/2010/main" Requires="p14">
+        <mc:AlternateContent xmlns:mc="http://schemas.openxmlformats.org/markup-compatibility/2006" xmlns:p14="http://schemas.microsoft.com/office/powerpoint/2010/main">
+          <mc:Choice Requires="p14">
             <p:contentPart p14:bwMode="auto" r:id="rId262">
               <p14:nvContentPartPr>
                 <p14:cNvPr id="3" name="Encre 2">
@@ -20557,7 +21418,7 @@
               </p14:xfrm>
             </p:contentPart>
           </mc:Choice>
-          <mc:Fallback>
+          <mc:Fallback xmlns="">
             <p:pic>
               <p:nvPicPr>
                 <p:cNvPr id="3" name="Encre 2">
@@ -20588,8 +21449,8 @@
             </p:pic>
           </mc:Fallback>
         </mc:AlternateContent>
-        <mc:AlternateContent xmlns:mc="http://schemas.openxmlformats.org/markup-compatibility/2006">
-          <mc:Choice xmlns:p14="http://schemas.microsoft.com/office/powerpoint/2010/main" Requires="p14">
+        <mc:AlternateContent xmlns:mc="http://schemas.openxmlformats.org/markup-compatibility/2006" xmlns:p14="http://schemas.microsoft.com/office/powerpoint/2010/main">
+          <mc:Choice Requires="p14">
             <p:contentPart p14:bwMode="auto" r:id="rId264">
               <p14:nvContentPartPr>
                 <p14:cNvPr id="4" name="Encre 3">
@@ -20608,7 +21469,7 @@
               </p14:xfrm>
             </p:contentPart>
           </mc:Choice>
-          <mc:Fallback>
+          <mc:Fallback xmlns="">
             <p:pic>
               <p:nvPicPr>
                 <p:cNvPr id="4" name="Encre 3">
@@ -20639,8 +21500,8 @@
             </p:pic>
           </mc:Fallback>
         </mc:AlternateContent>
-        <mc:AlternateContent xmlns:mc="http://schemas.openxmlformats.org/markup-compatibility/2006">
-          <mc:Choice xmlns:p14="http://schemas.microsoft.com/office/powerpoint/2010/main" Requires="p14">
+        <mc:AlternateContent xmlns:mc="http://schemas.openxmlformats.org/markup-compatibility/2006" xmlns:p14="http://schemas.microsoft.com/office/powerpoint/2010/main">
+          <mc:Choice Requires="p14">
             <p:contentPart p14:bwMode="auto" r:id="rId266">
               <p14:nvContentPartPr>
                 <p14:cNvPr id="250" name="Encre 249">
@@ -20659,7 +21520,7 @@
               </p14:xfrm>
             </p:contentPart>
           </mc:Choice>
-          <mc:Fallback>
+          <mc:Fallback xmlns="">
             <p:pic>
               <p:nvPicPr>
                 <p:cNvPr id="250" name="Encre 249">
@@ -20695,6 +21556,2478 @@
     <p:extLst>
       <p:ext uri="{BB962C8B-B14F-4D97-AF65-F5344CB8AC3E}">
         <p14:creationId xmlns:p14="http://schemas.microsoft.com/office/powerpoint/2010/main" val="3607753671"/>
+      </p:ext>
+    </p:extLst>
+  </p:cSld>
+  <p:clrMapOvr>
+    <a:masterClrMapping/>
+  </p:clrMapOvr>
+</p:sld>
+</file>
+
+<file path=ppt/slides/slide11.xml><?xml version="1.0" encoding="utf-8"?>
+<p:sld xmlns:a="http://schemas.openxmlformats.org/drawingml/2006/main" xmlns:r="http://schemas.openxmlformats.org/officeDocument/2006/relationships" xmlns:p="http://schemas.openxmlformats.org/presentationml/2006/main">
+  <p:cSld>
+    <p:spTree>
+      <p:nvGrpSpPr>
+        <p:cNvPr id="1" name=""/>
+        <p:cNvGrpSpPr/>
+        <p:nvPr/>
+      </p:nvGrpSpPr>
+      <p:grpSpPr>
+        <a:xfrm>
+          <a:off x="0" y="0"/>
+          <a:ext cx="0" cy="0"/>
+          <a:chOff x="0" y="0"/>
+          <a:chExt cx="0" cy="0"/>
+        </a:xfrm>
+      </p:grpSpPr>
+      <p:sp>
+        <p:nvSpPr>
+          <p:cNvPr id="64" name="ZoneTexte 63">
+            <a:extLst>
+              <a:ext uri="{FF2B5EF4-FFF2-40B4-BE49-F238E27FC236}">
+                <a16:creationId xmlns:a16="http://schemas.microsoft.com/office/drawing/2014/main" id="{886FBA06-FE75-457B-94F1-355730D690F2}"/>
+              </a:ext>
+            </a:extLst>
+          </p:cNvPr>
+          <p:cNvSpPr txBox="1"/>
+          <p:nvPr/>
+        </p:nvSpPr>
+        <p:spPr>
+          <a:xfrm>
+            <a:off x="9861785" y="478039"/>
+            <a:ext cx="1587486" cy="369332"/>
+          </a:xfrm>
+          <a:prstGeom prst="rect">
+            <a:avLst/>
+          </a:prstGeom>
+          <a:noFill/>
+        </p:spPr>
+        <p:txBody>
+          <a:bodyPr wrap="none" rtlCol="0">
+            <a:spAutoFit/>
+          </a:bodyPr>
+          <a:lstStyle/>
+          <a:p>
+            <a:r>
+              <a:rPr lang="fr-FR" u="sng" dirty="0"/>
+              <a:t>Classes - Police</a:t>
+            </a:r>
+          </a:p>
+        </p:txBody>
+      </p:sp>
+      <p:pic>
+        <p:nvPicPr>
+          <p:cNvPr id="20" name="Image 19">
+            <a:extLst>
+              <a:ext uri="{FF2B5EF4-FFF2-40B4-BE49-F238E27FC236}">
+                <a16:creationId xmlns:a16="http://schemas.microsoft.com/office/drawing/2014/main" id="{9651794F-165A-423D-A763-2F2915E6DB55}"/>
+              </a:ext>
+            </a:extLst>
+          </p:cNvPr>
+          <p:cNvPicPr>
+            <a:picLocks noChangeAspect="1"/>
+          </p:cNvPicPr>
+          <p:nvPr/>
+        </p:nvPicPr>
+        <p:blipFill rotWithShape="1">
+          <a:blip r:embed="rId2">
+            <a:extLst>
+              <a:ext uri="{28A0092B-C50C-407E-A947-70E740481C1C}">
+                <a14:useLocalDpi xmlns:a14="http://schemas.microsoft.com/office/drawing/2010/main" val="0"/>
+              </a:ext>
+            </a:extLst>
+          </a:blip>
+          <a:srcRect r="24824"/>
+          <a:stretch/>
+        </p:blipFill>
+        <p:spPr>
+          <a:xfrm>
+            <a:off x="984143" y="267690"/>
+            <a:ext cx="8327637" cy="6498031"/>
+          </a:xfrm>
+          <a:prstGeom prst="rect">
+            <a:avLst/>
+          </a:prstGeom>
+        </p:spPr>
+      </p:pic>
+    </p:spTree>
+    <p:extLst>
+      <p:ext uri="{BB962C8B-B14F-4D97-AF65-F5344CB8AC3E}">
+        <p14:creationId xmlns:p14="http://schemas.microsoft.com/office/powerpoint/2010/main" val="476993568"/>
+      </p:ext>
+    </p:extLst>
+  </p:cSld>
+  <p:clrMapOvr>
+    <a:masterClrMapping/>
+  </p:clrMapOvr>
+</p:sld>
+</file>
+
+<file path=ppt/slides/slide12.xml><?xml version="1.0" encoding="utf-8"?>
+<p:sld xmlns:a="http://schemas.openxmlformats.org/drawingml/2006/main" xmlns:r="http://schemas.openxmlformats.org/officeDocument/2006/relationships" xmlns:p="http://schemas.openxmlformats.org/presentationml/2006/main">
+  <p:cSld>
+    <p:spTree>
+      <p:nvGrpSpPr>
+        <p:cNvPr id="1" name=""/>
+        <p:cNvGrpSpPr/>
+        <p:nvPr/>
+      </p:nvGrpSpPr>
+      <p:grpSpPr>
+        <a:xfrm>
+          <a:off x="0" y="0"/>
+          <a:ext cx="0" cy="0"/>
+          <a:chOff x="0" y="0"/>
+          <a:chExt cx="0" cy="0"/>
+        </a:xfrm>
+      </p:grpSpPr>
+      <p:sp>
+        <p:nvSpPr>
+          <p:cNvPr id="2" name="ZoneTexte 1">
+            <a:extLst>
+              <a:ext uri="{FF2B5EF4-FFF2-40B4-BE49-F238E27FC236}">
+                <a16:creationId xmlns:a16="http://schemas.microsoft.com/office/drawing/2014/main" id="{3BF7DDD9-F055-4107-BCBF-EA775921803E}"/>
+              </a:ext>
+            </a:extLst>
+          </p:cNvPr>
+          <p:cNvSpPr txBox="1"/>
+          <p:nvPr/>
+        </p:nvSpPr>
+        <p:spPr>
+          <a:xfrm>
+            <a:off x="3531765" y="3167390"/>
+            <a:ext cx="5128470" cy="523220"/>
+          </a:xfrm>
+          <a:prstGeom prst="rect">
+            <a:avLst/>
+          </a:prstGeom>
+          <a:noFill/>
+        </p:spPr>
+        <p:txBody>
+          <a:bodyPr wrap="square" rtlCol="0">
+            <a:spAutoFit/>
+          </a:bodyPr>
+          <a:lstStyle/>
+          <a:p>
+            <a:r>
+              <a:rPr lang="fr-FR" sz="2800" b="1" dirty="0"/>
+              <a:t>Exercice : relations entre classes</a:t>
+            </a:r>
+          </a:p>
+        </p:txBody>
+      </p:sp>
+    </p:spTree>
+    <p:extLst>
+      <p:ext uri="{BB962C8B-B14F-4D97-AF65-F5344CB8AC3E}">
+        <p14:creationId xmlns:p14="http://schemas.microsoft.com/office/powerpoint/2010/main" val="1368268782"/>
+      </p:ext>
+    </p:extLst>
+  </p:cSld>
+  <p:clrMapOvr>
+    <a:masterClrMapping/>
+  </p:clrMapOvr>
+</p:sld>
+</file>
+
+<file path=ppt/slides/slide13.xml><?xml version="1.0" encoding="utf-8"?>
+<p:sld xmlns:a="http://schemas.openxmlformats.org/drawingml/2006/main" xmlns:r="http://schemas.openxmlformats.org/officeDocument/2006/relationships" xmlns:p="http://schemas.openxmlformats.org/presentationml/2006/main">
+  <p:cSld>
+    <p:spTree>
+      <p:nvGrpSpPr>
+        <p:cNvPr id="1" name=""/>
+        <p:cNvGrpSpPr/>
+        <p:nvPr/>
+      </p:nvGrpSpPr>
+      <p:grpSpPr>
+        <a:xfrm>
+          <a:off x="0" y="0"/>
+          <a:ext cx="0" cy="0"/>
+          <a:chOff x="0" y="0"/>
+          <a:chExt cx="0" cy="0"/>
+        </a:xfrm>
+      </p:grpSpPr>
+      <p:sp>
+        <p:nvSpPr>
+          <p:cNvPr id="64" name="ZoneTexte 63">
+            <a:extLst>
+              <a:ext uri="{FF2B5EF4-FFF2-40B4-BE49-F238E27FC236}">
+                <a16:creationId xmlns:a16="http://schemas.microsoft.com/office/drawing/2014/main" id="{886FBA06-FE75-457B-94F1-355730D690F2}"/>
+              </a:ext>
+            </a:extLst>
+          </p:cNvPr>
+          <p:cNvSpPr txBox="1"/>
+          <p:nvPr/>
+        </p:nvSpPr>
+        <p:spPr>
+          <a:xfrm>
+            <a:off x="407392" y="352178"/>
+            <a:ext cx="301686" cy="369332"/>
+          </a:xfrm>
+          <a:prstGeom prst="rect">
+            <a:avLst/>
+          </a:prstGeom>
+          <a:noFill/>
+        </p:spPr>
+        <p:txBody>
+          <a:bodyPr wrap="none" rtlCol="0">
+            <a:spAutoFit/>
+          </a:bodyPr>
+          <a:lstStyle/>
+          <a:p>
+            <a:r>
+              <a:rPr lang="fr-FR" u="sng" dirty="0"/>
+              <a:t>1</a:t>
+            </a:r>
+          </a:p>
+        </p:txBody>
+      </p:sp>
+      <p:graphicFrame>
+        <p:nvGraphicFramePr>
+          <p:cNvPr id="61" name="Tableau 3">
+            <a:extLst>
+              <a:ext uri="{FF2B5EF4-FFF2-40B4-BE49-F238E27FC236}">
+                <a16:creationId xmlns:a16="http://schemas.microsoft.com/office/drawing/2014/main" id="{D6BC5E79-97BF-41F1-A8B7-FF0BCC54B3B4}"/>
+              </a:ext>
+            </a:extLst>
+          </p:cNvPr>
+          <p:cNvGraphicFramePr>
+            <a:graphicFrameLocks noGrp="1"/>
+          </p:cNvGraphicFramePr>
+          <p:nvPr>
+            <p:extLst>
+              <p:ext uri="{D42A27DB-BD31-4B8C-83A1-F6EECF244321}">
+                <p14:modId xmlns:p14="http://schemas.microsoft.com/office/powerpoint/2010/main" val="1128749816"/>
+              </p:ext>
+            </p:extLst>
+          </p:nvPr>
+        </p:nvGraphicFramePr>
+        <p:xfrm>
+          <a:off x="1276349" y="1286802"/>
+          <a:ext cx="1399740" cy="414066"/>
+        </p:xfrm>
+        <a:graphic>
+          <a:graphicData uri="http://schemas.openxmlformats.org/drawingml/2006/table">
+            <a:tbl>
+              <a:tblPr firstRow="1" bandRow="1">
+                <a:tableStyleId>{5940675A-B579-460E-94D1-54222C63F5DA}</a:tableStyleId>
+              </a:tblPr>
+              <a:tblGrid>
+                <a:gridCol w="1399740">
+                  <a:extLst>
+                    <a:ext uri="{9D8B030D-6E8A-4147-A177-3AD203B41FA5}">
+                      <a16:colId xmlns:a16="http://schemas.microsoft.com/office/drawing/2014/main" val="4263601761"/>
+                    </a:ext>
+                  </a:extLst>
+                </a:gridCol>
+              </a:tblGrid>
+              <a:tr h="414066">
+                <a:tc>
+                  <a:txBody>
+                    <a:bodyPr/>
+                    <a:lstStyle/>
+                    <a:p>
+                      <a:pPr algn="ctr"/>
+                      <a:r>
+                        <a:rPr lang="fr-FR" dirty="0"/>
+                        <a:t>Ecrivain</a:t>
+                      </a:r>
+                    </a:p>
+                  </a:txBody>
+                  <a:tcPr/>
+                </a:tc>
+                <a:extLst>
+                  <a:ext uri="{0D108BD9-81ED-4DB2-BD59-A6C34878D82A}">
+                    <a16:rowId xmlns:a16="http://schemas.microsoft.com/office/drawing/2014/main" val="4283294604"/>
+                  </a:ext>
+                </a:extLst>
+              </a:tr>
+            </a:tbl>
+          </a:graphicData>
+        </a:graphic>
+      </p:graphicFrame>
+      <p:graphicFrame>
+        <p:nvGraphicFramePr>
+          <p:cNvPr id="246" name="Tableau 3">
+            <a:extLst>
+              <a:ext uri="{FF2B5EF4-FFF2-40B4-BE49-F238E27FC236}">
+                <a16:creationId xmlns:a16="http://schemas.microsoft.com/office/drawing/2014/main" id="{B9E49BEA-B5C4-4B2F-8F21-9C0E782CD5B9}"/>
+              </a:ext>
+            </a:extLst>
+          </p:cNvPr>
+          <p:cNvGraphicFramePr>
+            <a:graphicFrameLocks noGrp="1"/>
+          </p:cNvGraphicFramePr>
+          <p:nvPr>
+            <p:extLst>
+              <p:ext uri="{D42A27DB-BD31-4B8C-83A1-F6EECF244321}">
+                <p14:modId xmlns:p14="http://schemas.microsoft.com/office/powerpoint/2010/main" val="1474551897"/>
+              </p:ext>
+            </p:extLst>
+          </p:nvPr>
+        </p:nvGraphicFramePr>
+        <p:xfrm>
+          <a:off x="3828001" y="1286802"/>
+          <a:ext cx="1399740" cy="414066"/>
+        </p:xfrm>
+        <a:graphic>
+          <a:graphicData uri="http://schemas.openxmlformats.org/drawingml/2006/table">
+            <a:tbl>
+              <a:tblPr firstRow="1" bandRow="1">
+                <a:tableStyleId>{5940675A-B579-460E-94D1-54222C63F5DA}</a:tableStyleId>
+              </a:tblPr>
+              <a:tblGrid>
+                <a:gridCol w="1399740">
+                  <a:extLst>
+                    <a:ext uri="{9D8B030D-6E8A-4147-A177-3AD203B41FA5}">
+                      <a16:colId xmlns:a16="http://schemas.microsoft.com/office/drawing/2014/main" val="4263601761"/>
+                    </a:ext>
+                  </a:extLst>
+                </a:gridCol>
+              </a:tblGrid>
+              <a:tr h="414066">
+                <a:tc>
+                  <a:txBody>
+                    <a:bodyPr/>
+                    <a:lstStyle/>
+                    <a:p>
+                      <a:pPr algn="ctr"/>
+                      <a:r>
+                        <a:rPr lang="fr-FR" dirty="0"/>
+                        <a:t>Livre</a:t>
+                      </a:r>
+                    </a:p>
+                  </a:txBody>
+                  <a:tcPr/>
+                </a:tc>
+                <a:extLst>
+                  <a:ext uri="{0D108BD9-81ED-4DB2-BD59-A6C34878D82A}">
+                    <a16:rowId xmlns:a16="http://schemas.microsoft.com/office/drawing/2014/main" val="4283294604"/>
+                  </a:ext>
+                </a:extLst>
+              </a:tr>
+            </a:tbl>
+          </a:graphicData>
+        </a:graphic>
+      </p:graphicFrame>
+      <p:grpSp>
+        <p:nvGrpSpPr>
+          <p:cNvPr id="252" name="Groupe 251">
+            <a:extLst>
+              <a:ext uri="{FF2B5EF4-FFF2-40B4-BE49-F238E27FC236}">
+                <a16:creationId xmlns:a16="http://schemas.microsoft.com/office/drawing/2014/main" id="{4D1B7957-8170-44A6-B3CD-F67EA378A5FF}"/>
+              </a:ext>
+            </a:extLst>
+          </p:cNvPr>
+          <p:cNvGrpSpPr/>
+          <p:nvPr/>
+        </p:nvGrpSpPr>
+        <p:grpSpPr>
+          <a:xfrm>
+            <a:off x="2684200" y="1374318"/>
+            <a:ext cx="1140480" cy="144000"/>
+            <a:chOff x="2684200" y="1374318"/>
+            <a:chExt cx="1140480" cy="144000"/>
+          </a:xfrm>
+        </p:grpSpPr>
+        <mc:AlternateContent xmlns:mc="http://schemas.openxmlformats.org/markup-compatibility/2006">
+          <mc:Choice xmlns:p14="http://schemas.microsoft.com/office/powerpoint/2010/main" Requires="p14">
+            <p:contentPart p14:bwMode="auto" r:id="rId2">
+              <p14:nvContentPartPr>
+                <p14:cNvPr id="5" name="Encre 4">
+                  <a:extLst>
+                    <a:ext uri="{FF2B5EF4-FFF2-40B4-BE49-F238E27FC236}">
+                      <a16:creationId xmlns:a16="http://schemas.microsoft.com/office/drawing/2014/main" id="{A9A16859-FD23-4976-86DC-F9FA99FB7C38}"/>
+                    </a:ext>
+                  </a:extLst>
+                </p14:cNvPr>
+                <p14:cNvContentPartPr/>
+                <p14:nvPr/>
+              </p14:nvContentPartPr>
+              <p14:xfrm>
+                <a:off x="2684200" y="1481958"/>
+                <a:ext cx="1140480" cy="36360"/>
+              </p14:xfrm>
+            </p:contentPart>
+          </mc:Choice>
+          <mc:Fallback>
+            <p:pic>
+              <p:nvPicPr>
+                <p:cNvPr id="5" name="Encre 4">
+                  <a:extLst>
+                    <a:ext uri="{FF2B5EF4-FFF2-40B4-BE49-F238E27FC236}">
+                      <a16:creationId xmlns:a16="http://schemas.microsoft.com/office/drawing/2014/main" id="{A9A16859-FD23-4976-86DC-F9FA99FB7C38}"/>
+                    </a:ext>
+                  </a:extLst>
+                </p:cNvPr>
+                <p:cNvPicPr/>
+                <p:nvPr/>
+              </p:nvPicPr>
+              <p:blipFill>
+                <a:blip r:embed="rId3"/>
+                <a:stretch>
+                  <a:fillRect/>
+                </a:stretch>
+              </p:blipFill>
+              <p:spPr>
+                <a:xfrm>
+                  <a:off x="2675560" y="1473318"/>
+                  <a:ext cx="1158120" cy="54000"/>
+                </a:xfrm>
+                <a:prstGeom prst="rect">
+                  <a:avLst/>
+                </a:prstGeom>
+              </p:spPr>
+            </p:pic>
+          </mc:Fallback>
+        </mc:AlternateContent>
+        <mc:AlternateContent xmlns:mc="http://schemas.openxmlformats.org/markup-compatibility/2006">
+          <mc:Choice xmlns:p14="http://schemas.microsoft.com/office/powerpoint/2010/main" Requires="p14">
+            <p:contentPart p14:bwMode="auto" r:id="rId4">
+              <p14:nvContentPartPr>
+                <p14:cNvPr id="20" name="Encre 19">
+                  <a:extLst>
+                    <a:ext uri="{FF2B5EF4-FFF2-40B4-BE49-F238E27FC236}">
+                      <a16:creationId xmlns:a16="http://schemas.microsoft.com/office/drawing/2014/main" id="{50F9B42C-9C80-4262-B056-E90E9A182009}"/>
+                    </a:ext>
+                  </a:extLst>
+                </p14:cNvPr>
+                <p14:cNvContentPartPr/>
+                <p14:nvPr/>
+              </p14:nvContentPartPr>
+              <p14:xfrm>
+                <a:off x="2692480" y="1375038"/>
+                <a:ext cx="52200" cy="97560"/>
+              </p14:xfrm>
+            </p:contentPart>
+          </mc:Choice>
+          <mc:Fallback>
+            <p:pic>
+              <p:nvPicPr>
+                <p:cNvPr id="20" name="Encre 19">
+                  <a:extLst>
+                    <a:ext uri="{FF2B5EF4-FFF2-40B4-BE49-F238E27FC236}">
+                      <a16:creationId xmlns:a16="http://schemas.microsoft.com/office/drawing/2014/main" id="{50F9B42C-9C80-4262-B056-E90E9A182009}"/>
+                    </a:ext>
+                  </a:extLst>
+                </p:cNvPr>
+                <p:cNvPicPr/>
+                <p:nvPr/>
+              </p:nvPicPr>
+              <p:blipFill>
+                <a:blip r:embed="rId5"/>
+                <a:stretch>
+                  <a:fillRect/>
+                </a:stretch>
+              </p:blipFill>
+              <p:spPr>
+                <a:xfrm>
+                  <a:off x="2683840" y="1366038"/>
+                  <a:ext cx="69840" cy="115200"/>
+                </a:xfrm>
+                <a:prstGeom prst="rect">
+                  <a:avLst/>
+                </a:prstGeom>
+              </p:spPr>
+            </p:pic>
+          </mc:Fallback>
+        </mc:AlternateContent>
+        <mc:AlternateContent xmlns:mc="http://schemas.openxmlformats.org/markup-compatibility/2006">
+          <mc:Choice xmlns:p14="http://schemas.microsoft.com/office/powerpoint/2010/main" Requires="p14">
+            <p:contentPart p14:bwMode="auto" r:id="rId6">
+              <p14:nvContentPartPr>
+                <p14:cNvPr id="26" name="Encre 25">
+                  <a:extLst>
+                    <a:ext uri="{FF2B5EF4-FFF2-40B4-BE49-F238E27FC236}">
+                      <a16:creationId xmlns:a16="http://schemas.microsoft.com/office/drawing/2014/main" id="{8829685D-641D-4970-9243-5981CDB4C6B3}"/>
+                    </a:ext>
+                  </a:extLst>
+                </p14:cNvPr>
+                <p14:cNvContentPartPr/>
+                <p14:nvPr/>
+              </p14:nvContentPartPr>
+              <p14:xfrm>
+                <a:off x="2737840" y="1459278"/>
+                <a:ext cx="30600" cy="52920"/>
+              </p14:xfrm>
+            </p:contentPart>
+          </mc:Choice>
+          <mc:Fallback>
+            <p:pic>
+              <p:nvPicPr>
+                <p:cNvPr id="26" name="Encre 25">
+                  <a:extLst>
+                    <a:ext uri="{FF2B5EF4-FFF2-40B4-BE49-F238E27FC236}">
+                      <a16:creationId xmlns:a16="http://schemas.microsoft.com/office/drawing/2014/main" id="{8829685D-641D-4970-9243-5981CDB4C6B3}"/>
+                    </a:ext>
+                  </a:extLst>
+                </p:cNvPr>
+                <p:cNvPicPr/>
+                <p:nvPr/>
+              </p:nvPicPr>
+              <p:blipFill>
+                <a:blip r:embed="rId7"/>
+                <a:stretch>
+                  <a:fillRect/>
+                </a:stretch>
+              </p:blipFill>
+              <p:spPr>
+                <a:xfrm>
+                  <a:off x="2729200" y="1450638"/>
+                  <a:ext cx="48240" cy="70560"/>
+                </a:xfrm>
+                <a:prstGeom prst="rect">
+                  <a:avLst/>
+                </a:prstGeom>
+              </p:spPr>
+            </p:pic>
+          </mc:Fallback>
+        </mc:AlternateContent>
+        <mc:AlternateContent xmlns:mc="http://schemas.openxmlformats.org/markup-compatibility/2006">
+          <mc:Choice xmlns:p14="http://schemas.microsoft.com/office/powerpoint/2010/main" Requires="p14">
+            <p:contentPart p14:bwMode="auto" r:id="rId8">
+              <p14:nvContentPartPr>
+                <p14:cNvPr id="247" name="Encre 246">
+                  <a:extLst>
+                    <a:ext uri="{FF2B5EF4-FFF2-40B4-BE49-F238E27FC236}">
+                      <a16:creationId xmlns:a16="http://schemas.microsoft.com/office/drawing/2014/main" id="{1A61C61F-7B07-42A8-BE09-CBD8F7313A1A}"/>
+                    </a:ext>
+                  </a:extLst>
+                </p14:cNvPr>
+                <p14:cNvContentPartPr/>
+                <p14:nvPr/>
+              </p14:nvContentPartPr>
+              <p14:xfrm>
+                <a:off x="2810200" y="1374318"/>
+                <a:ext cx="34920" cy="126360"/>
+              </p14:xfrm>
+            </p:contentPart>
+          </mc:Choice>
+          <mc:Fallback>
+            <p:pic>
+              <p:nvPicPr>
+                <p:cNvPr id="247" name="Encre 246">
+                  <a:extLst>
+                    <a:ext uri="{FF2B5EF4-FFF2-40B4-BE49-F238E27FC236}">
+                      <a16:creationId xmlns:a16="http://schemas.microsoft.com/office/drawing/2014/main" id="{1A61C61F-7B07-42A8-BE09-CBD8F7313A1A}"/>
+                    </a:ext>
+                  </a:extLst>
+                </p:cNvPr>
+                <p:cNvPicPr/>
+                <p:nvPr/>
+              </p:nvPicPr>
+              <p:blipFill>
+                <a:blip r:embed="rId9"/>
+                <a:stretch>
+                  <a:fillRect/>
+                </a:stretch>
+              </p:blipFill>
+              <p:spPr>
+                <a:xfrm>
+                  <a:off x="2801560" y="1365678"/>
+                  <a:ext cx="52560" cy="144000"/>
+                </a:xfrm>
+                <a:prstGeom prst="rect">
+                  <a:avLst/>
+                </a:prstGeom>
+              </p:spPr>
+            </p:pic>
+          </mc:Fallback>
+        </mc:AlternateContent>
+      </p:grpSp>
+      <p:grpSp>
+        <p:nvGrpSpPr>
+          <p:cNvPr id="38" name="Groupe 37">
+            <a:extLst>
+              <a:ext uri="{FF2B5EF4-FFF2-40B4-BE49-F238E27FC236}">
+                <a16:creationId xmlns:a16="http://schemas.microsoft.com/office/drawing/2014/main" id="{74C0EDB5-B7F1-44B3-9152-F56AFDC0E8B8}"/>
+              </a:ext>
+            </a:extLst>
+          </p:cNvPr>
+          <p:cNvGrpSpPr/>
+          <p:nvPr/>
+        </p:nvGrpSpPr>
+        <p:grpSpPr>
+          <a:xfrm>
+            <a:off x="3590320" y="1333278"/>
+            <a:ext cx="200880" cy="148680"/>
+            <a:chOff x="3590320" y="1333278"/>
+            <a:chExt cx="200880" cy="148680"/>
+          </a:xfrm>
+        </p:grpSpPr>
+        <mc:AlternateContent xmlns:mc="http://schemas.openxmlformats.org/markup-compatibility/2006">
+          <mc:Choice xmlns:p14="http://schemas.microsoft.com/office/powerpoint/2010/main" Requires="p14">
+            <p:contentPart p14:bwMode="auto" r:id="rId10">
+              <p14:nvContentPartPr>
+                <p14:cNvPr id="253" name="Encre 252">
+                  <a:extLst>
+                    <a:ext uri="{FF2B5EF4-FFF2-40B4-BE49-F238E27FC236}">
+                      <a16:creationId xmlns:a16="http://schemas.microsoft.com/office/drawing/2014/main" id="{3255E93B-D1E7-4664-B7E2-A22750BDCF36}"/>
+                    </a:ext>
+                  </a:extLst>
+                </p14:cNvPr>
+                <p14:cNvContentPartPr/>
+                <p14:nvPr/>
+              </p14:nvContentPartPr>
+              <p14:xfrm>
+                <a:off x="3590320" y="1333278"/>
+                <a:ext cx="82800" cy="108360"/>
+              </p14:xfrm>
+            </p:contentPart>
+          </mc:Choice>
+          <mc:Fallback>
+            <p:pic>
+              <p:nvPicPr>
+                <p:cNvPr id="253" name="Encre 252">
+                  <a:extLst>
+                    <a:ext uri="{FF2B5EF4-FFF2-40B4-BE49-F238E27FC236}">
+                      <a16:creationId xmlns:a16="http://schemas.microsoft.com/office/drawing/2014/main" id="{3255E93B-D1E7-4664-B7E2-A22750BDCF36}"/>
+                    </a:ext>
+                  </a:extLst>
+                </p:cNvPr>
+                <p:cNvPicPr/>
+                <p:nvPr/>
+              </p:nvPicPr>
+              <p:blipFill>
+                <a:blip r:embed="rId11"/>
+                <a:stretch>
+                  <a:fillRect/>
+                </a:stretch>
+              </p:blipFill>
+              <p:spPr>
+                <a:xfrm>
+                  <a:off x="3581320" y="1324638"/>
+                  <a:ext cx="100440" cy="126000"/>
+                </a:xfrm>
+                <a:prstGeom prst="rect">
+                  <a:avLst/>
+                </a:prstGeom>
+              </p:spPr>
+            </p:pic>
+          </mc:Fallback>
+        </mc:AlternateContent>
+        <mc:AlternateContent xmlns:mc="http://schemas.openxmlformats.org/markup-compatibility/2006">
+          <mc:Choice xmlns:p14="http://schemas.microsoft.com/office/powerpoint/2010/main" Requires="p14">
+            <p:contentPart p14:bwMode="auto" r:id="rId12">
+              <p14:nvContentPartPr>
+                <p14:cNvPr id="254" name="Encre 253">
+                  <a:extLst>
+                    <a:ext uri="{FF2B5EF4-FFF2-40B4-BE49-F238E27FC236}">
+                      <a16:creationId xmlns:a16="http://schemas.microsoft.com/office/drawing/2014/main" id="{B228246A-0056-481D-8FF4-D9A1C09E17C4}"/>
+                    </a:ext>
+                  </a:extLst>
+                </p14:cNvPr>
+                <p14:cNvContentPartPr/>
+                <p14:nvPr/>
+              </p14:nvContentPartPr>
+              <p14:xfrm>
+                <a:off x="3613360" y="1400598"/>
+                <a:ext cx="69840" cy="81360"/>
+              </p14:xfrm>
+            </p:contentPart>
+          </mc:Choice>
+          <mc:Fallback>
+            <p:pic>
+              <p:nvPicPr>
+                <p:cNvPr id="254" name="Encre 253">
+                  <a:extLst>
+                    <a:ext uri="{FF2B5EF4-FFF2-40B4-BE49-F238E27FC236}">
+                      <a16:creationId xmlns:a16="http://schemas.microsoft.com/office/drawing/2014/main" id="{B228246A-0056-481D-8FF4-D9A1C09E17C4}"/>
+                    </a:ext>
+                  </a:extLst>
+                </p:cNvPr>
+                <p:cNvPicPr/>
+                <p:nvPr/>
+              </p:nvPicPr>
+              <p:blipFill>
+                <a:blip r:embed="rId13"/>
+                <a:stretch>
+                  <a:fillRect/>
+                </a:stretch>
+              </p:blipFill>
+              <p:spPr>
+                <a:xfrm>
+                  <a:off x="3604360" y="1391958"/>
+                  <a:ext cx="87480" cy="99000"/>
+                </a:xfrm>
+                <a:prstGeom prst="rect">
+                  <a:avLst/>
+                </a:prstGeom>
+              </p:spPr>
+            </p:pic>
+          </mc:Fallback>
+        </mc:AlternateContent>
+        <mc:AlternateContent xmlns:mc="http://schemas.openxmlformats.org/markup-compatibility/2006">
+          <mc:Choice xmlns:p14="http://schemas.microsoft.com/office/powerpoint/2010/main" Requires="p14">
+            <p:contentPart p14:bwMode="auto" r:id="rId14">
+              <p14:nvContentPartPr>
+                <p14:cNvPr id="255" name="Encre 254">
+                  <a:extLst>
+                    <a:ext uri="{FF2B5EF4-FFF2-40B4-BE49-F238E27FC236}">
+                      <a16:creationId xmlns:a16="http://schemas.microsoft.com/office/drawing/2014/main" id="{C6D83C6D-3B45-41E3-A33D-C816847E4FBF}"/>
+                    </a:ext>
+                  </a:extLst>
+                </p14:cNvPr>
+                <p14:cNvContentPartPr/>
+                <p14:nvPr/>
+              </p14:nvContentPartPr>
+              <p14:xfrm>
+                <a:off x="3699400" y="1364598"/>
+                <a:ext cx="90000" cy="78480"/>
+              </p14:xfrm>
+            </p:contentPart>
+          </mc:Choice>
+          <mc:Fallback>
+            <p:pic>
+              <p:nvPicPr>
+                <p:cNvPr id="255" name="Encre 254">
+                  <a:extLst>
+                    <a:ext uri="{FF2B5EF4-FFF2-40B4-BE49-F238E27FC236}">
+                      <a16:creationId xmlns:a16="http://schemas.microsoft.com/office/drawing/2014/main" id="{C6D83C6D-3B45-41E3-A33D-C816847E4FBF}"/>
+                    </a:ext>
+                  </a:extLst>
+                </p:cNvPr>
+                <p:cNvPicPr/>
+                <p:nvPr/>
+              </p:nvPicPr>
+              <p:blipFill>
+                <a:blip r:embed="rId15"/>
+                <a:stretch>
+                  <a:fillRect/>
+                </a:stretch>
+              </p:blipFill>
+              <p:spPr>
+                <a:xfrm>
+                  <a:off x="3690400" y="1355598"/>
+                  <a:ext cx="107640" cy="96120"/>
+                </a:xfrm>
+                <a:prstGeom prst="rect">
+                  <a:avLst/>
+                </a:prstGeom>
+              </p:spPr>
+            </p:pic>
+          </mc:Fallback>
+        </mc:AlternateContent>
+        <mc:AlternateContent xmlns:mc="http://schemas.openxmlformats.org/markup-compatibility/2006">
+          <mc:Choice xmlns:p14="http://schemas.microsoft.com/office/powerpoint/2010/main" Requires="p14">
+            <p:contentPart p14:bwMode="auto" r:id="rId16">
+              <p14:nvContentPartPr>
+                <p14:cNvPr id="34" name="Encre 33">
+                  <a:extLst>
+                    <a:ext uri="{FF2B5EF4-FFF2-40B4-BE49-F238E27FC236}">
+                      <a16:creationId xmlns:a16="http://schemas.microsoft.com/office/drawing/2014/main" id="{E2D71371-A0F1-41DE-AB53-6504DD021750}"/>
+                    </a:ext>
+                  </a:extLst>
+                </p14:cNvPr>
+                <p14:cNvContentPartPr/>
+                <p14:nvPr/>
+              </p14:nvContentPartPr>
+              <p14:xfrm>
+                <a:off x="3707680" y="1341918"/>
+                <a:ext cx="56160" cy="69840"/>
+              </p14:xfrm>
+            </p:contentPart>
+          </mc:Choice>
+          <mc:Fallback>
+            <p:pic>
+              <p:nvPicPr>
+                <p:cNvPr id="34" name="Encre 33">
+                  <a:extLst>
+                    <a:ext uri="{FF2B5EF4-FFF2-40B4-BE49-F238E27FC236}">
+                      <a16:creationId xmlns:a16="http://schemas.microsoft.com/office/drawing/2014/main" id="{E2D71371-A0F1-41DE-AB53-6504DD021750}"/>
+                    </a:ext>
+                  </a:extLst>
+                </p:cNvPr>
+                <p:cNvPicPr/>
+                <p:nvPr/>
+              </p:nvPicPr>
+              <p:blipFill>
+                <a:blip r:embed="rId17"/>
+                <a:stretch>
+                  <a:fillRect/>
+                </a:stretch>
+              </p:blipFill>
+              <p:spPr>
+                <a:xfrm>
+                  <a:off x="3698680" y="1333278"/>
+                  <a:ext cx="73800" cy="87480"/>
+                </a:xfrm>
+                <a:prstGeom prst="rect">
+                  <a:avLst/>
+                </a:prstGeom>
+              </p:spPr>
+            </p:pic>
+          </mc:Fallback>
+        </mc:AlternateContent>
+        <mc:AlternateContent xmlns:mc="http://schemas.openxmlformats.org/markup-compatibility/2006">
+          <mc:Choice xmlns:p14="http://schemas.microsoft.com/office/powerpoint/2010/main" Requires="p14">
+            <p:contentPart p14:bwMode="auto" r:id="rId18">
+              <p14:nvContentPartPr>
+                <p14:cNvPr id="35" name="Encre 34">
+                  <a:extLst>
+                    <a:ext uri="{FF2B5EF4-FFF2-40B4-BE49-F238E27FC236}">
+                      <a16:creationId xmlns:a16="http://schemas.microsoft.com/office/drawing/2014/main" id="{1D261464-25AC-4916-8EAE-05EEE6FAC720}"/>
+                    </a:ext>
+                  </a:extLst>
+                </p14:cNvPr>
+                <p14:cNvContentPartPr/>
+                <p14:nvPr/>
+              </p14:nvContentPartPr>
+              <p14:xfrm>
+                <a:off x="3749800" y="1333278"/>
+                <a:ext cx="360" cy="108720"/>
+              </p14:xfrm>
+            </p:contentPart>
+          </mc:Choice>
+          <mc:Fallback>
+            <p:pic>
+              <p:nvPicPr>
+                <p:cNvPr id="35" name="Encre 34">
+                  <a:extLst>
+                    <a:ext uri="{FF2B5EF4-FFF2-40B4-BE49-F238E27FC236}">
+                      <a16:creationId xmlns:a16="http://schemas.microsoft.com/office/drawing/2014/main" id="{1D261464-25AC-4916-8EAE-05EEE6FAC720}"/>
+                    </a:ext>
+                  </a:extLst>
+                </p:cNvPr>
+                <p:cNvPicPr/>
+                <p:nvPr/>
+              </p:nvPicPr>
+              <p:blipFill>
+                <a:blip r:embed="rId19"/>
+                <a:stretch>
+                  <a:fillRect/>
+                </a:stretch>
+              </p:blipFill>
+              <p:spPr>
+                <a:xfrm>
+                  <a:off x="3740800" y="1324638"/>
+                  <a:ext cx="18000" cy="126360"/>
+                </a:xfrm>
+                <a:prstGeom prst="rect">
+                  <a:avLst/>
+                </a:prstGeom>
+              </p:spPr>
+            </p:pic>
+          </mc:Fallback>
+        </mc:AlternateContent>
+        <mc:AlternateContent xmlns:mc="http://schemas.openxmlformats.org/markup-compatibility/2006">
+          <mc:Choice xmlns:p14="http://schemas.microsoft.com/office/powerpoint/2010/main" Requires="p14">
+            <p:contentPart p14:bwMode="auto" r:id="rId20">
+              <p14:nvContentPartPr>
+                <p14:cNvPr id="36" name="Encre 35">
+                  <a:extLst>
+                    <a:ext uri="{FF2B5EF4-FFF2-40B4-BE49-F238E27FC236}">
+                      <a16:creationId xmlns:a16="http://schemas.microsoft.com/office/drawing/2014/main" id="{2874A08B-6DC9-4D4F-BB26-66CE10BD5E58}"/>
+                    </a:ext>
+                  </a:extLst>
+                </p14:cNvPr>
+                <p14:cNvContentPartPr/>
+                <p14:nvPr/>
+              </p14:nvContentPartPr>
+              <p14:xfrm>
+                <a:off x="3707680" y="1400598"/>
+                <a:ext cx="83520" cy="360"/>
+              </p14:xfrm>
+            </p:contentPart>
+          </mc:Choice>
+          <mc:Fallback>
+            <p:pic>
+              <p:nvPicPr>
+                <p:cNvPr id="36" name="Encre 35">
+                  <a:extLst>
+                    <a:ext uri="{FF2B5EF4-FFF2-40B4-BE49-F238E27FC236}">
+                      <a16:creationId xmlns:a16="http://schemas.microsoft.com/office/drawing/2014/main" id="{2874A08B-6DC9-4D4F-BB26-66CE10BD5E58}"/>
+                    </a:ext>
+                  </a:extLst>
+                </p:cNvPr>
+                <p:cNvPicPr/>
+                <p:nvPr/>
+              </p:nvPicPr>
+              <p:blipFill>
+                <a:blip r:embed="rId21"/>
+                <a:stretch>
+                  <a:fillRect/>
+                </a:stretch>
+              </p:blipFill>
+              <p:spPr>
+                <a:xfrm>
+                  <a:off x="3698680" y="1391958"/>
+                  <a:ext cx="101160" cy="18000"/>
+                </a:xfrm>
+                <a:prstGeom prst="rect">
+                  <a:avLst/>
+                </a:prstGeom>
+              </p:spPr>
+            </p:pic>
+          </mc:Fallback>
+        </mc:AlternateContent>
+      </p:grpSp>
+      <p:graphicFrame>
+        <p:nvGraphicFramePr>
+          <p:cNvPr id="256" name="Tableau 3">
+            <a:extLst>
+              <a:ext uri="{FF2B5EF4-FFF2-40B4-BE49-F238E27FC236}">
+                <a16:creationId xmlns:a16="http://schemas.microsoft.com/office/drawing/2014/main" id="{FFA1C91A-F651-49D6-83AC-6DC80B1F0AED}"/>
+              </a:ext>
+            </a:extLst>
+          </p:cNvPr>
+          <p:cNvGraphicFramePr>
+            <a:graphicFrameLocks noGrp="1"/>
+          </p:cNvGraphicFramePr>
+          <p:nvPr>
+            <p:extLst>
+              <p:ext uri="{D42A27DB-BD31-4B8C-83A1-F6EECF244321}">
+                <p14:modId xmlns:p14="http://schemas.microsoft.com/office/powerpoint/2010/main" val="1309950174"/>
+              </p:ext>
+            </p:extLst>
+          </p:nvPr>
+        </p:nvGraphicFramePr>
+        <p:xfrm>
+          <a:off x="3124810" y="2985931"/>
+          <a:ext cx="1399740" cy="414066"/>
+        </p:xfrm>
+        <a:graphic>
+          <a:graphicData uri="http://schemas.openxmlformats.org/drawingml/2006/table">
+            <a:tbl>
+              <a:tblPr firstRow="1" bandRow="1">
+                <a:tableStyleId>{5940675A-B579-460E-94D1-54222C63F5DA}</a:tableStyleId>
+              </a:tblPr>
+              <a:tblGrid>
+                <a:gridCol w="1399740">
+                  <a:extLst>
+                    <a:ext uri="{9D8B030D-6E8A-4147-A177-3AD203B41FA5}">
+                      <a16:colId xmlns:a16="http://schemas.microsoft.com/office/drawing/2014/main" val="4263601761"/>
+                    </a:ext>
+                  </a:extLst>
+                </a:gridCol>
+              </a:tblGrid>
+              <a:tr h="414066">
+                <a:tc>
+                  <a:txBody>
+                    <a:bodyPr/>
+                    <a:lstStyle/>
+                    <a:p>
+                      <a:pPr algn="ctr"/>
+                      <a:r>
+                        <a:rPr lang="fr-FR" dirty="0"/>
+                        <a:t>Personne</a:t>
+                      </a:r>
+                    </a:p>
+                  </a:txBody>
+                  <a:tcPr/>
+                </a:tc>
+                <a:extLst>
+                  <a:ext uri="{0D108BD9-81ED-4DB2-BD59-A6C34878D82A}">
+                    <a16:rowId xmlns:a16="http://schemas.microsoft.com/office/drawing/2014/main" val="4283294604"/>
+                  </a:ext>
+                </a:extLst>
+              </a:tr>
+            </a:tbl>
+          </a:graphicData>
+        </a:graphic>
+      </p:graphicFrame>
+      <p:graphicFrame>
+        <p:nvGraphicFramePr>
+          <p:cNvPr id="257" name="Tableau 3">
+            <a:extLst>
+              <a:ext uri="{FF2B5EF4-FFF2-40B4-BE49-F238E27FC236}">
+                <a16:creationId xmlns:a16="http://schemas.microsoft.com/office/drawing/2014/main" id="{D89A082B-C272-4631-92BF-28FD285A21D3}"/>
+              </a:ext>
+            </a:extLst>
+          </p:cNvPr>
+          <p:cNvGraphicFramePr>
+            <a:graphicFrameLocks noGrp="1"/>
+          </p:cNvGraphicFramePr>
+          <p:nvPr>
+            <p:extLst>
+              <p:ext uri="{D42A27DB-BD31-4B8C-83A1-F6EECF244321}">
+                <p14:modId xmlns:p14="http://schemas.microsoft.com/office/powerpoint/2010/main" val="4188858567"/>
+              </p:ext>
+            </p:extLst>
+          </p:nvPr>
+        </p:nvGraphicFramePr>
+        <p:xfrm>
+          <a:off x="5525460" y="2990838"/>
+          <a:ext cx="1399740" cy="414066"/>
+        </p:xfrm>
+        <a:graphic>
+          <a:graphicData uri="http://schemas.openxmlformats.org/drawingml/2006/table">
+            <a:tbl>
+              <a:tblPr firstRow="1" bandRow="1">
+                <a:tableStyleId>{5940675A-B579-460E-94D1-54222C63F5DA}</a:tableStyleId>
+              </a:tblPr>
+              <a:tblGrid>
+                <a:gridCol w="1399740">
+                  <a:extLst>
+                    <a:ext uri="{9D8B030D-6E8A-4147-A177-3AD203B41FA5}">
+                      <a16:colId xmlns:a16="http://schemas.microsoft.com/office/drawing/2014/main" val="4263601761"/>
+                    </a:ext>
+                  </a:extLst>
+                </a:gridCol>
+              </a:tblGrid>
+              <a:tr h="414066">
+                <a:tc>
+                  <a:txBody>
+                    <a:bodyPr/>
+                    <a:lstStyle/>
+                    <a:p>
+                      <a:pPr algn="ctr"/>
+                      <a:r>
+                        <a:rPr lang="fr-FR" dirty="0"/>
+                        <a:t>Université</a:t>
+                      </a:r>
+                    </a:p>
+                  </a:txBody>
+                  <a:tcPr/>
+                </a:tc>
+                <a:extLst>
+                  <a:ext uri="{0D108BD9-81ED-4DB2-BD59-A6C34878D82A}">
+                    <a16:rowId xmlns:a16="http://schemas.microsoft.com/office/drawing/2014/main" val="4283294604"/>
+                  </a:ext>
+                </a:extLst>
+              </a:tr>
+            </a:tbl>
+          </a:graphicData>
+        </a:graphic>
+      </p:graphicFrame>
+      <p:sp>
+        <p:nvSpPr>
+          <p:cNvPr id="270" name="ZoneTexte 269">
+            <a:extLst>
+              <a:ext uri="{FF2B5EF4-FFF2-40B4-BE49-F238E27FC236}">
+                <a16:creationId xmlns:a16="http://schemas.microsoft.com/office/drawing/2014/main" id="{1F3E3108-C769-4D99-9FA5-2B9120FF7D7F}"/>
+              </a:ext>
+            </a:extLst>
+          </p:cNvPr>
+          <p:cNvSpPr txBox="1"/>
+          <p:nvPr/>
+        </p:nvSpPr>
+        <p:spPr>
+          <a:xfrm>
+            <a:off x="333289" y="2148821"/>
+            <a:ext cx="301686" cy="369332"/>
+          </a:xfrm>
+          <a:prstGeom prst="rect">
+            <a:avLst/>
+          </a:prstGeom>
+          <a:noFill/>
+        </p:spPr>
+        <p:txBody>
+          <a:bodyPr wrap="none" rtlCol="0">
+            <a:spAutoFit/>
+          </a:bodyPr>
+          <a:lstStyle/>
+          <a:p>
+            <a:r>
+              <a:rPr lang="fr-FR" u="sng" dirty="0"/>
+              <a:t>2</a:t>
+            </a:r>
+          </a:p>
+        </p:txBody>
+      </p:sp>
+      <p:graphicFrame>
+        <p:nvGraphicFramePr>
+          <p:cNvPr id="271" name="Tableau 3">
+            <a:extLst>
+              <a:ext uri="{FF2B5EF4-FFF2-40B4-BE49-F238E27FC236}">
+                <a16:creationId xmlns:a16="http://schemas.microsoft.com/office/drawing/2014/main" id="{7C6EFFA3-C540-41BF-AD29-991E0A7DAB7B}"/>
+              </a:ext>
+            </a:extLst>
+          </p:cNvPr>
+          <p:cNvGraphicFramePr>
+            <a:graphicFrameLocks noGrp="1"/>
+          </p:cNvGraphicFramePr>
+          <p:nvPr>
+            <p:extLst>
+              <p:ext uri="{D42A27DB-BD31-4B8C-83A1-F6EECF244321}">
+                <p14:modId xmlns:p14="http://schemas.microsoft.com/office/powerpoint/2010/main" val="3458783283"/>
+              </p:ext>
+            </p:extLst>
+          </p:nvPr>
+        </p:nvGraphicFramePr>
+        <p:xfrm>
+          <a:off x="999125" y="2570794"/>
+          <a:ext cx="1399740" cy="414066"/>
+        </p:xfrm>
+        <a:graphic>
+          <a:graphicData uri="http://schemas.openxmlformats.org/drawingml/2006/table">
+            <a:tbl>
+              <a:tblPr firstRow="1" bandRow="1">
+                <a:tableStyleId>{5940675A-B579-460E-94D1-54222C63F5DA}</a:tableStyleId>
+              </a:tblPr>
+              <a:tblGrid>
+                <a:gridCol w="1399740">
+                  <a:extLst>
+                    <a:ext uri="{9D8B030D-6E8A-4147-A177-3AD203B41FA5}">
+                      <a16:colId xmlns:a16="http://schemas.microsoft.com/office/drawing/2014/main" val="4263601761"/>
+                    </a:ext>
+                  </a:extLst>
+                </a:gridCol>
+              </a:tblGrid>
+              <a:tr h="414066">
+                <a:tc>
+                  <a:txBody>
+                    <a:bodyPr/>
+                    <a:lstStyle/>
+                    <a:p>
+                      <a:pPr algn="ctr"/>
+                      <a:r>
+                        <a:rPr lang="fr-FR" dirty="0"/>
+                        <a:t>Etudiant</a:t>
+                      </a:r>
+                    </a:p>
+                  </a:txBody>
+                  <a:tcPr/>
+                </a:tc>
+                <a:extLst>
+                  <a:ext uri="{0D108BD9-81ED-4DB2-BD59-A6C34878D82A}">
+                    <a16:rowId xmlns:a16="http://schemas.microsoft.com/office/drawing/2014/main" val="4283294604"/>
+                  </a:ext>
+                </a:extLst>
+              </a:tr>
+            </a:tbl>
+          </a:graphicData>
+        </a:graphic>
+      </p:graphicFrame>
+      <p:graphicFrame>
+        <p:nvGraphicFramePr>
+          <p:cNvPr id="272" name="Tableau 3">
+            <a:extLst>
+              <a:ext uri="{FF2B5EF4-FFF2-40B4-BE49-F238E27FC236}">
+                <a16:creationId xmlns:a16="http://schemas.microsoft.com/office/drawing/2014/main" id="{78FB23AD-1651-4113-90C8-90F19064C318}"/>
+              </a:ext>
+            </a:extLst>
+          </p:cNvPr>
+          <p:cNvGraphicFramePr>
+            <a:graphicFrameLocks noGrp="1"/>
+          </p:cNvGraphicFramePr>
+          <p:nvPr>
+            <p:extLst>
+              <p:ext uri="{D42A27DB-BD31-4B8C-83A1-F6EECF244321}">
+                <p14:modId xmlns:p14="http://schemas.microsoft.com/office/powerpoint/2010/main" val="1187589867"/>
+              </p:ext>
+            </p:extLst>
+          </p:nvPr>
+        </p:nvGraphicFramePr>
+        <p:xfrm>
+          <a:off x="999125" y="3429000"/>
+          <a:ext cx="1399740" cy="414066"/>
+        </p:xfrm>
+        <a:graphic>
+          <a:graphicData uri="http://schemas.openxmlformats.org/drawingml/2006/table">
+            <a:tbl>
+              <a:tblPr firstRow="1" bandRow="1">
+                <a:tableStyleId>{5940675A-B579-460E-94D1-54222C63F5DA}</a:tableStyleId>
+              </a:tblPr>
+              <a:tblGrid>
+                <a:gridCol w="1399740">
+                  <a:extLst>
+                    <a:ext uri="{9D8B030D-6E8A-4147-A177-3AD203B41FA5}">
+                      <a16:colId xmlns:a16="http://schemas.microsoft.com/office/drawing/2014/main" val="4263601761"/>
+                    </a:ext>
+                  </a:extLst>
+                </a:gridCol>
+              </a:tblGrid>
+              <a:tr h="414066">
+                <a:tc>
+                  <a:txBody>
+                    <a:bodyPr/>
+                    <a:lstStyle/>
+                    <a:p>
+                      <a:pPr algn="ctr"/>
+                      <a:r>
+                        <a:rPr lang="fr-FR" dirty="0"/>
+                        <a:t>Professeur</a:t>
+                      </a:r>
+                    </a:p>
+                  </a:txBody>
+                  <a:tcPr/>
+                </a:tc>
+                <a:extLst>
+                  <a:ext uri="{0D108BD9-81ED-4DB2-BD59-A6C34878D82A}">
+                    <a16:rowId xmlns:a16="http://schemas.microsoft.com/office/drawing/2014/main" val="4283294604"/>
+                  </a:ext>
+                </a:extLst>
+              </a:tr>
+            </a:tbl>
+          </a:graphicData>
+        </a:graphic>
+      </p:graphicFrame>
+      <mc:AlternateContent xmlns:mc="http://schemas.openxmlformats.org/markup-compatibility/2006">
+        <mc:Choice xmlns:p14="http://schemas.microsoft.com/office/powerpoint/2010/main" Requires="p14">
+          <p:contentPart p14:bwMode="auto" r:id="rId22">
+            <p14:nvContentPartPr>
+              <p14:cNvPr id="39" name="Encre 38">
+                <a:extLst>
+                  <a:ext uri="{FF2B5EF4-FFF2-40B4-BE49-F238E27FC236}">
+                    <a16:creationId xmlns:a16="http://schemas.microsoft.com/office/drawing/2014/main" id="{A0CADD89-B03C-425A-B403-232111627E41}"/>
+                  </a:ext>
+                </a:extLst>
+              </p14:cNvPr>
+              <p14:cNvContentPartPr/>
+              <p14:nvPr/>
+            </p14:nvContentPartPr>
+            <p14:xfrm>
+              <a:off x="4505800" y="3170358"/>
+              <a:ext cx="1039680" cy="10800"/>
+            </p14:xfrm>
+          </p:contentPart>
+        </mc:Choice>
+        <mc:Fallback>
+          <p:pic>
+            <p:nvPicPr>
+              <p:cNvPr id="39" name="Encre 38">
+                <a:extLst>
+                  <a:ext uri="{FF2B5EF4-FFF2-40B4-BE49-F238E27FC236}">
+                    <a16:creationId xmlns:a16="http://schemas.microsoft.com/office/drawing/2014/main" id="{A0CADD89-B03C-425A-B403-232111627E41}"/>
+                  </a:ext>
+                </a:extLst>
+              </p:cNvPr>
+              <p:cNvPicPr/>
+              <p:nvPr/>
+            </p:nvPicPr>
+            <p:blipFill>
+              <a:blip r:embed="rId23"/>
+              <a:stretch>
+                <a:fillRect/>
+              </a:stretch>
+            </p:blipFill>
+            <p:spPr>
+              <a:xfrm>
+                <a:off x="4496800" y="3161718"/>
+                <a:ext cx="1057320" cy="28440"/>
+              </a:xfrm>
+              <a:prstGeom prst="rect">
+                <a:avLst/>
+              </a:prstGeom>
+            </p:spPr>
+          </p:pic>
+        </mc:Fallback>
+      </mc:AlternateContent>
+      <mc:AlternateContent xmlns:mc="http://schemas.openxmlformats.org/markup-compatibility/2006">
+        <mc:Choice xmlns:p14="http://schemas.microsoft.com/office/powerpoint/2010/main" Requires="p14">
+          <p:contentPart p14:bwMode="auto" r:id="rId24">
+            <p14:nvContentPartPr>
+              <p14:cNvPr id="45" name="Encre 44">
+                <a:extLst>
+                  <a:ext uri="{FF2B5EF4-FFF2-40B4-BE49-F238E27FC236}">
+                    <a16:creationId xmlns:a16="http://schemas.microsoft.com/office/drawing/2014/main" id="{2E257BC4-858A-4BD2-BB76-372B1D0B8B07}"/>
+                  </a:ext>
+                </a:extLst>
+              </p14:cNvPr>
+              <p14:cNvContentPartPr/>
+              <p14:nvPr/>
+            </p14:nvContentPartPr>
+            <p14:xfrm>
+              <a:off x="2407720" y="2793078"/>
+              <a:ext cx="725760" cy="348120"/>
+            </p14:xfrm>
+          </p:contentPart>
+        </mc:Choice>
+        <mc:Fallback>
+          <p:pic>
+            <p:nvPicPr>
+              <p:cNvPr id="45" name="Encre 44">
+                <a:extLst>
+                  <a:ext uri="{FF2B5EF4-FFF2-40B4-BE49-F238E27FC236}">
+                    <a16:creationId xmlns:a16="http://schemas.microsoft.com/office/drawing/2014/main" id="{2E257BC4-858A-4BD2-BB76-372B1D0B8B07}"/>
+                  </a:ext>
+                </a:extLst>
+              </p:cNvPr>
+              <p:cNvPicPr/>
+              <p:nvPr/>
+            </p:nvPicPr>
+            <p:blipFill>
+              <a:blip r:embed="rId25"/>
+              <a:stretch>
+                <a:fillRect/>
+              </a:stretch>
+            </p:blipFill>
+            <p:spPr>
+              <a:xfrm>
+                <a:off x="2398720" y="2784078"/>
+                <a:ext cx="743400" cy="365760"/>
+              </a:xfrm>
+              <a:prstGeom prst="rect">
+                <a:avLst/>
+              </a:prstGeom>
+            </p:spPr>
+          </p:pic>
+        </mc:Fallback>
+      </mc:AlternateContent>
+      <mc:AlternateContent xmlns:mc="http://schemas.openxmlformats.org/markup-compatibility/2006">
+        <mc:Choice xmlns:p14="http://schemas.microsoft.com/office/powerpoint/2010/main" Requires="p14">
+          <p:contentPart p14:bwMode="auto" r:id="rId26">
+            <p14:nvContentPartPr>
+              <p14:cNvPr id="49" name="Encre 48">
+                <a:extLst>
+                  <a:ext uri="{FF2B5EF4-FFF2-40B4-BE49-F238E27FC236}">
+                    <a16:creationId xmlns:a16="http://schemas.microsoft.com/office/drawing/2014/main" id="{BC947C9A-6FCF-4D18-A153-33336F2AF12F}"/>
+                  </a:ext>
+                </a:extLst>
+              </p14:cNvPr>
+              <p14:cNvContentPartPr/>
+              <p14:nvPr/>
+            </p14:nvContentPartPr>
+            <p14:xfrm>
+              <a:off x="2382160" y="3373398"/>
+              <a:ext cx="739080" cy="351360"/>
+            </p14:xfrm>
+          </p:contentPart>
+        </mc:Choice>
+        <mc:Fallback>
+          <p:pic>
+            <p:nvPicPr>
+              <p:cNvPr id="49" name="Encre 48">
+                <a:extLst>
+                  <a:ext uri="{FF2B5EF4-FFF2-40B4-BE49-F238E27FC236}">
+                    <a16:creationId xmlns:a16="http://schemas.microsoft.com/office/drawing/2014/main" id="{BC947C9A-6FCF-4D18-A153-33336F2AF12F}"/>
+                  </a:ext>
+                </a:extLst>
+              </p:cNvPr>
+              <p:cNvPicPr/>
+              <p:nvPr/>
+            </p:nvPicPr>
+            <p:blipFill>
+              <a:blip r:embed="rId27"/>
+              <a:stretch>
+                <a:fillRect/>
+              </a:stretch>
+            </p:blipFill>
+            <p:spPr>
+              <a:xfrm>
+                <a:off x="2373520" y="3364758"/>
+                <a:ext cx="756720" cy="369000"/>
+              </a:xfrm>
+              <a:prstGeom prst="rect">
+                <a:avLst/>
+              </a:prstGeom>
+            </p:spPr>
+          </p:pic>
+        </mc:Fallback>
+      </mc:AlternateContent>
+      <mc:AlternateContent xmlns:mc="http://schemas.openxmlformats.org/markup-compatibility/2006">
+        <mc:Choice xmlns:p14="http://schemas.microsoft.com/office/powerpoint/2010/main" Requires="p14">
+          <p:contentPart p14:bwMode="auto" r:id="rId28">
+            <p14:nvContentPartPr>
+              <p14:cNvPr id="53" name="Encre 52">
+                <a:extLst>
+                  <a:ext uri="{FF2B5EF4-FFF2-40B4-BE49-F238E27FC236}">
+                    <a16:creationId xmlns:a16="http://schemas.microsoft.com/office/drawing/2014/main" id="{3F87995B-9629-4668-B69E-35F1D7930EA7}"/>
+                  </a:ext>
+                </a:extLst>
+              </p14:cNvPr>
+              <p14:cNvContentPartPr/>
+              <p14:nvPr/>
+            </p14:nvContentPartPr>
+            <p14:xfrm>
+              <a:off x="3018280" y="3011238"/>
+              <a:ext cx="114480" cy="189000"/>
+            </p14:xfrm>
+          </p:contentPart>
+        </mc:Choice>
+        <mc:Fallback>
+          <p:pic>
+            <p:nvPicPr>
+              <p:cNvPr id="53" name="Encre 52">
+                <a:extLst>
+                  <a:ext uri="{FF2B5EF4-FFF2-40B4-BE49-F238E27FC236}">
+                    <a16:creationId xmlns:a16="http://schemas.microsoft.com/office/drawing/2014/main" id="{3F87995B-9629-4668-B69E-35F1D7930EA7}"/>
+                  </a:ext>
+                </a:extLst>
+              </p:cNvPr>
+              <p:cNvPicPr/>
+              <p:nvPr/>
+            </p:nvPicPr>
+            <p:blipFill>
+              <a:blip r:embed="rId29"/>
+              <a:stretch>
+                <a:fillRect/>
+              </a:stretch>
+            </p:blipFill>
+            <p:spPr>
+              <a:xfrm>
+                <a:off x="3009640" y="3002598"/>
+                <a:ext cx="132120" cy="206640"/>
+              </a:xfrm>
+              <a:prstGeom prst="rect">
+                <a:avLst/>
+              </a:prstGeom>
+            </p:spPr>
+          </p:pic>
+        </mc:Fallback>
+      </mc:AlternateContent>
+      <mc:AlternateContent xmlns:mc="http://schemas.openxmlformats.org/markup-compatibility/2006">
+        <mc:Choice xmlns:p14="http://schemas.microsoft.com/office/powerpoint/2010/main" Requires="p14">
+          <p:contentPart p14:bwMode="auto" r:id="rId30">
+            <p14:nvContentPartPr>
+              <p14:cNvPr id="56" name="Encre 55">
+                <a:extLst>
+                  <a:ext uri="{FF2B5EF4-FFF2-40B4-BE49-F238E27FC236}">
+                    <a16:creationId xmlns:a16="http://schemas.microsoft.com/office/drawing/2014/main" id="{1B848384-5C9D-4937-A315-6487F1AD6EF7}"/>
+                  </a:ext>
+                </a:extLst>
+              </p14:cNvPr>
+              <p14:cNvContentPartPr/>
+              <p14:nvPr/>
+            </p14:nvContentPartPr>
+            <p14:xfrm>
+              <a:off x="3016840" y="3326958"/>
+              <a:ext cx="140760" cy="156240"/>
+            </p14:xfrm>
+          </p:contentPart>
+        </mc:Choice>
+        <mc:Fallback>
+          <p:pic>
+            <p:nvPicPr>
+              <p:cNvPr id="56" name="Encre 55">
+                <a:extLst>
+                  <a:ext uri="{FF2B5EF4-FFF2-40B4-BE49-F238E27FC236}">
+                    <a16:creationId xmlns:a16="http://schemas.microsoft.com/office/drawing/2014/main" id="{1B848384-5C9D-4937-A315-6487F1AD6EF7}"/>
+                  </a:ext>
+                </a:extLst>
+              </p:cNvPr>
+              <p:cNvPicPr/>
+              <p:nvPr/>
+            </p:nvPicPr>
+            <p:blipFill>
+              <a:blip r:embed="rId31"/>
+              <a:stretch>
+                <a:fillRect/>
+              </a:stretch>
+            </p:blipFill>
+            <p:spPr>
+              <a:xfrm>
+                <a:off x="3008200" y="3318318"/>
+                <a:ext cx="158400" cy="173880"/>
+              </a:xfrm>
+              <a:prstGeom prst="rect">
+                <a:avLst/>
+              </a:prstGeom>
+            </p:spPr>
+          </p:pic>
+        </mc:Fallback>
+      </mc:AlternateContent>
+      <p:sp>
+        <p:nvSpPr>
+          <p:cNvPr id="282" name="ZoneTexte 281">
+            <a:extLst>
+              <a:ext uri="{FF2B5EF4-FFF2-40B4-BE49-F238E27FC236}">
+                <a16:creationId xmlns:a16="http://schemas.microsoft.com/office/drawing/2014/main" id="{78220E0A-0F35-48BB-93B0-FCBA027F5510}"/>
+              </a:ext>
+            </a:extLst>
+          </p:cNvPr>
+          <p:cNvSpPr txBox="1"/>
+          <p:nvPr/>
+        </p:nvSpPr>
+        <p:spPr>
+          <a:xfrm>
+            <a:off x="353088" y="4263087"/>
+            <a:ext cx="301686" cy="369332"/>
+          </a:xfrm>
+          <a:prstGeom prst="rect">
+            <a:avLst/>
+          </a:prstGeom>
+          <a:noFill/>
+        </p:spPr>
+        <p:txBody>
+          <a:bodyPr wrap="none" rtlCol="0">
+            <a:spAutoFit/>
+          </a:bodyPr>
+          <a:lstStyle/>
+          <a:p>
+            <a:r>
+              <a:rPr lang="fr-FR" u="sng" dirty="0"/>
+              <a:t>3</a:t>
+            </a:r>
+          </a:p>
+        </p:txBody>
+      </p:sp>
+      <p:grpSp>
+        <p:nvGrpSpPr>
+          <p:cNvPr id="66" name="Groupe 65">
+            <a:extLst>
+              <a:ext uri="{FF2B5EF4-FFF2-40B4-BE49-F238E27FC236}">
+                <a16:creationId xmlns:a16="http://schemas.microsoft.com/office/drawing/2014/main" id="{10096E12-CA79-4120-8317-3AFF9B3EB3C3}"/>
+              </a:ext>
+            </a:extLst>
+          </p:cNvPr>
+          <p:cNvGrpSpPr/>
+          <p:nvPr/>
+        </p:nvGrpSpPr>
+        <p:grpSpPr>
+          <a:xfrm>
+            <a:off x="5234800" y="3016638"/>
+            <a:ext cx="218880" cy="168120"/>
+            <a:chOff x="5234800" y="3016638"/>
+            <a:chExt cx="218880" cy="168120"/>
+          </a:xfrm>
+        </p:grpSpPr>
+        <mc:AlternateContent xmlns:mc="http://schemas.openxmlformats.org/markup-compatibility/2006">
+          <mc:Choice xmlns:p14="http://schemas.microsoft.com/office/powerpoint/2010/main" Requires="p14">
+            <p:contentPart p14:bwMode="auto" r:id="rId32">
+              <p14:nvContentPartPr>
+                <p14:cNvPr id="273" name="Encre 272">
+                  <a:extLst>
+                    <a:ext uri="{FF2B5EF4-FFF2-40B4-BE49-F238E27FC236}">
+                      <a16:creationId xmlns:a16="http://schemas.microsoft.com/office/drawing/2014/main" id="{ACF6F0AB-D261-4E5D-87EB-1079BDA588F6}"/>
+                    </a:ext>
+                  </a:extLst>
+                </p14:cNvPr>
+                <p14:cNvContentPartPr/>
+                <p14:nvPr/>
+              </p14:nvContentPartPr>
+              <p14:xfrm>
+                <a:off x="5234800" y="3016638"/>
+                <a:ext cx="59760" cy="128160"/>
+              </p14:xfrm>
+            </p:contentPart>
+          </mc:Choice>
+          <mc:Fallback>
+            <p:pic>
+              <p:nvPicPr>
+                <p:cNvPr id="273" name="Encre 272">
+                  <a:extLst>
+                    <a:ext uri="{FF2B5EF4-FFF2-40B4-BE49-F238E27FC236}">
+                      <a16:creationId xmlns:a16="http://schemas.microsoft.com/office/drawing/2014/main" id="{ACF6F0AB-D261-4E5D-87EB-1079BDA588F6}"/>
+                    </a:ext>
+                  </a:extLst>
+                </p:cNvPr>
+                <p:cNvPicPr/>
+                <p:nvPr/>
+              </p:nvPicPr>
+              <p:blipFill>
+                <a:blip r:embed="rId33"/>
+                <a:stretch>
+                  <a:fillRect/>
+                </a:stretch>
+              </p:blipFill>
+              <p:spPr>
+                <a:xfrm>
+                  <a:off x="5225800" y="3007998"/>
+                  <a:ext cx="77400" cy="145800"/>
+                </a:xfrm>
+                <a:prstGeom prst="rect">
+                  <a:avLst/>
+                </a:prstGeom>
+              </p:spPr>
+            </p:pic>
+          </mc:Fallback>
+        </mc:AlternateContent>
+        <mc:AlternateContent xmlns:mc="http://schemas.openxmlformats.org/markup-compatibility/2006">
+          <mc:Choice xmlns:p14="http://schemas.microsoft.com/office/powerpoint/2010/main" Requires="p14">
+            <p:contentPart p14:bwMode="auto" r:id="rId34">
+              <p14:nvContentPartPr>
+                <p14:cNvPr id="274" name="Encre 273">
+                  <a:extLst>
+                    <a:ext uri="{FF2B5EF4-FFF2-40B4-BE49-F238E27FC236}">
+                      <a16:creationId xmlns:a16="http://schemas.microsoft.com/office/drawing/2014/main" id="{E29ACFD7-E20E-47CC-9FFA-41F5C56EBF67}"/>
+                    </a:ext>
+                  </a:extLst>
+                </p14:cNvPr>
+                <p14:cNvContentPartPr/>
+                <p14:nvPr/>
+              </p14:nvContentPartPr>
+              <p14:xfrm>
+                <a:off x="5316160" y="3112038"/>
+                <a:ext cx="27720" cy="72720"/>
+              </p14:xfrm>
+            </p:contentPart>
+          </mc:Choice>
+          <mc:Fallback>
+            <p:pic>
+              <p:nvPicPr>
+                <p:cNvPr id="274" name="Encre 273">
+                  <a:extLst>
+                    <a:ext uri="{FF2B5EF4-FFF2-40B4-BE49-F238E27FC236}">
+                      <a16:creationId xmlns:a16="http://schemas.microsoft.com/office/drawing/2014/main" id="{E29ACFD7-E20E-47CC-9FFA-41F5C56EBF67}"/>
+                    </a:ext>
+                  </a:extLst>
+                </p:cNvPr>
+                <p:cNvPicPr/>
+                <p:nvPr/>
+              </p:nvPicPr>
+              <p:blipFill>
+                <a:blip r:embed="rId35"/>
+                <a:stretch>
+                  <a:fillRect/>
+                </a:stretch>
+              </p:blipFill>
+              <p:spPr>
+                <a:xfrm>
+                  <a:off x="5307520" y="3103398"/>
+                  <a:ext cx="45360" cy="90360"/>
+                </a:xfrm>
+                <a:prstGeom prst="rect">
+                  <a:avLst/>
+                </a:prstGeom>
+              </p:spPr>
+            </p:pic>
+          </mc:Fallback>
+        </mc:AlternateContent>
+        <mc:AlternateContent xmlns:mc="http://schemas.openxmlformats.org/markup-compatibility/2006">
+          <mc:Choice xmlns:p14="http://schemas.microsoft.com/office/powerpoint/2010/main" Requires="p14">
+            <p:contentPart p14:bwMode="auto" r:id="rId36">
+              <p14:nvContentPartPr>
+                <p14:cNvPr id="65" name="Encre 64">
+                  <a:extLst>
+                    <a:ext uri="{FF2B5EF4-FFF2-40B4-BE49-F238E27FC236}">
+                      <a16:creationId xmlns:a16="http://schemas.microsoft.com/office/drawing/2014/main" id="{22499D9A-08C2-41F8-8FA5-697942D1A058}"/>
+                    </a:ext>
+                  </a:extLst>
+                </p14:cNvPr>
+                <p14:cNvContentPartPr/>
+                <p14:nvPr/>
+              </p14:nvContentPartPr>
+              <p14:xfrm>
+                <a:off x="5368720" y="3035358"/>
+                <a:ext cx="84960" cy="126360"/>
+              </p14:xfrm>
+            </p:contentPart>
+          </mc:Choice>
+          <mc:Fallback>
+            <p:pic>
+              <p:nvPicPr>
+                <p:cNvPr id="65" name="Encre 64">
+                  <a:extLst>
+                    <a:ext uri="{FF2B5EF4-FFF2-40B4-BE49-F238E27FC236}">
+                      <a16:creationId xmlns:a16="http://schemas.microsoft.com/office/drawing/2014/main" id="{22499D9A-08C2-41F8-8FA5-697942D1A058}"/>
+                    </a:ext>
+                  </a:extLst>
+                </p:cNvPr>
+                <p:cNvPicPr/>
+                <p:nvPr/>
+              </p:nvPicPr>
+              <p:blipFill>
+                <a:blip r:embed="rId37"/>
+                <a:stretch>
+                  <a:fillRect/>
+                </a:stretch>
+              </p:blipFill>
+              <p:spPr>
+                <a:xfrm>
+                  <a:off x="5359720" y="3026718"/>
+                  <a:ext cx="102600" cy="144000"/>
+                </a:xfrm>
+                <a:prstGeom prst="rect">
+                  <a:avLst/>
+                </a:prstGeom>
+              </p:spPr>
+            </p:pic>
+          </mc:Fallback>
+        </mc:AlternateContent>
+      </p:grpSp>
+      <p:grpSp>
+        <p:nvGrpSpPr>
+          <p:cNvPr id="77" name="Groupe 76">
+            <a:extLst>
+              <a:ext uri="{FF2B5EF4-FFF2-40B4-BE49-F238E27FC236}">
+                <a16:creationId xmlns:a16="http://schemas.microsoft.com/office/drawing/2014/main" id="{F697C0A2-423B-4A54-A66F-5CA92A39EF19}"/>
+              </a:ext>
+            </a:extLst>
+          </p:cNvPr>
+          <p:cNvGrpSpPr/>
+          <p:nvPr/>
+        </p:nvGrpSpPr>
+        <p:grpSpPr>
+          <a:xfrm>
+            <a:off x="4546840" y="2986038"/>
+            <a:ext cx="265320" cy="194760"/>
+            <a:chOff x="4546840" y="2986038"/>
+            <a:chExt cx="265320" cy="194760"/>
+          </a:xfrm>
+        </p:grpSpPr>
+        <mc:AlternateContent xmlns:mc="http://schemas.openxmlformats.org/markup-compatibility/2006">
+          <mc:Choice xmlns:p14="http://schemas.microsoft.com/office/powerpoint/2010/main" Requires="p14">
+            <p:contentPart p14:bwMode="auto" r:id="rId38">
+              <p14:nvContentPartPr>
+                <p14:cNvPr id="40" name="Encre 39">
+                  <a:extLst>
+                    <a:ext uri="{FF2B5EF4-FFF2-40B4-BE49-F238E27FC236}">
+                      <a16:creationId xmlns:a16="http://schemas.microsoft.com/office/drawing/2014/main" id="{65D35B33-561B-46B4-8BD1-EB4AEC238961}"/>
+                    </a:ext>
+                  </a:extLst>
+                </p14:cNvPr>
+                <p14:cNvContentPartPr/>
+                <p14:nvPr/>
+              </p14:nvContentPartPr>
+              <p14:xfrm>
+                <a:off x="4546840" y="3033198"/>
+                <a:ext cx="101520" cy="114840"/>
+              </p14:xfrm>
+            </p:contentPart>
+          </mc:Choice>
+          <mc:Fallback>
+            <p:pic>
+              <p:nvPicPr>
+                <p:cNvPr id="40" name="Encre 39">
+                  <a:extLst>
+                    <a:ext uri="{FF2B5EF4-FFF2-40B4-BE49-F238E27FC236}">
+                      <a16:creationId xmlns:a16="http://schemas.microsoft.com/office/drawing/2014/main" id="{65D35B33-561B-46B4-8BD1-EB4AEC238961}"/>
+                    </a:ext>
+                  </a:extLst>
+                </p:cNvPr>
+                <p:cNvPicPr/>
+                <p:nvPr/>
+              </p:nvPicPr>
+              <p:blipFill>
+                <a:blip r:embed="rId39"/>
+                <a:stretch>
+                  <a:fillRect/>
+                </a:stretch>
+              </p:blipFill>
+              <p:spPr>
+                <a:xfrm>
+                  <a:off x="4537840" y="3024558"/>
+                  <a:ext cx="119160" cy="132480"/>
+                </a:xfrm>
+                <a:prstGeom prst="rect">
+                  <a:avLst/>
+                </a:prstGeom>
+              </p:spPr>
+            </p:pic>
+          </mc:Fallback>
+        </mc:AlternateContent>
+        <mc:AlternateContent xmlns:mc="http://schemas.openxmlformats.org/markup-compatibility/2006">
+          <mc:Choice xmlns:p14="http://schemas.microsoft.com/office/powerpoint/2010/main" Requires="p14">
+            <p:contentPart p14:bwMode="auto" r:id="rId40">
+              <p14:nvContentPartPr>
+                <p14:cNvPr id="41" name="Encre 40">
+                  <a:extLst>
+                    <a:ext uri="{FF2B5EF4-FFF2-40B4-BE49-F238E27FC236}">
+                      <a16:creationId xmlns:a16="http://schemas.microsoft.com/office/drawing/2014/main" id="{4EB9B9A4-AEB8-446D-8DAE-AC2807734FB6}"/>
+                    </a:ext>
+                  </a:extLst>
+                </p14:cNvPr>
+                <p14:cNvContentPartPr/>
+                <p14:nvPr/>
+              </p14:nvContentPartPr>
+              <p14:xfrm>
+                <a:off x="4658800" y="3128598"/>
+                <a:ext cx="14400" cy="52200"/>
+              </p14:xfrm>
+            </p:contentPart>
+          </mc:Choice>
+          <mc:Fallback>
+            <p:pic>
+              <p:nvPicPr>
+                <p:cNvPr id="41" name="Encre 40">
+                  <a:extLst>
+                    <a:ext uri="{FF2B5EF4-FFF2-40B4-BE49-F238E27FC236}">
+                      <a16:creationId xmlns:a16="http://schemas.microsoft.com/office/drawing/2014/main" id="{4EB9B9A4-AEB8-446D-8DAE-AC2807734FB6}"/>
+                    </a:ext>
+                  </a:extLst>
+                </p:cNvPr>
+                <p:cNvPicPr/>
+                <p:nvPr/>
+              </p:nvPicPr>
+              <p:blipFill>
+                <a:blip r:embed="rId41"/>
+                <a:stretch>
+                  <a:fillRect/>
+                </a:stretch>
+              </p:blipFill>
+              <p:spPr>
+                <a:xfrm>
+                  <a:off x="4649800" y="3119958"/>
+                  <a:ext cx="32040" cy="69840"/>
+                </a:xfrm>
+                <a:prstGeom prst="rect">
+                  <a:avLst/>
+                </a:prstGeom>
+              </p:spPr>
+            </p:pic>
+          </mc:Fallback>
+        </mc:AlternateContent>
+        <mc:AlternateContent xmlns:mc="http://schemas.openxmlformats.org/markup-compatibility/2006">
+          <mc:Choice xmlns:p14="http://schemas.microsoft.com/office/powerpoint/2010/main" Requires="p14">
+            <p:contentPart p14:bwMode="auto" r:id="rId42">
+              <p14:nvContentPartPr>
+                <p14:cNvPr id="68" name="Encre 67">
+                  <a:extLst>
+                    <a:ext uri="{FF2B5EF4-FFF2-40B4-BE49-F238E27FC236}">
+                      <a16:creationId xmlns:a16="http://schemas.microsoft.com/office/drawing/2014/main" id="{4A5F66D0-F20A-4093-B3DA-54C3AB7C5A80}"/>
+                    </a:ext>
+                  </a:extLst>
+                </p14:cNvPr>
+                <p14:cNvContentPartPr/>
+                <p14:nvPr/>
+              </p14:nvContentPartPr>
+              <p14:xfrm>
+                <a:off x="4705960" y="3034278"/>
+                <a:ext cx="106200" cy="103320"/>
+              </p14:xfrm>
+            </p:contentPart>
+          </mc:Choice>
+          <mc:Fallback>
+            <p:pic>
+              <p:nvPicPr>
+                <p:cNvPr id="68" name="Encre 67">
+                  <a:extLst>
+                    <a:ext uri="{FF2B5EF4-FFF2-40B4-BE49-F238E27FC236}">
+                      <a16:creationId xmlns:a16="http://schemas.microsoft.com/office/drawing/2014/main" id="{4A5F66D0-F20A-4093-B3DA-54C3AB7C5A80}"/>
+                    </a:ext>
+                  </a:extLst>
+                </p:cNvPr>
+                <p:cNvPicPr/>
+                <p:nvPr/>
+              </p:nvPicPr>
+              <p:blipFill>
+                <a:blip r:embed="rId43"/>
+                <a:stretch>
+                  <a:fillRect/>
+                </a:stretch>
+              </p:blipFill>
+              <p:spPr>
+                <a:xfrm>
+                  <a:off x="4697320" y="3025278"/>
+                  <a:ext cx="123840" cy="120960"/>
+                </a:xfrm>
+                <a:prstGeom prst="rect">
+                  <a:avLst/>
+                </a:prstGeom>
+              </p:spPr>
+            </p:pic>
+          </mc:Fallback>
+        </mc:AlternateContent>
+        <mc:AlternateContent xmlns:mc="http://schemas.openxmlformats.org/markup-compatibility/2006">
+          <mc:Choice xmlns:p14="http://schemas.microsoft.com/office/powerpoint/2010/main" Requires="p14">
+            <p:contentPart p14:bwMode="auto" r:id="rId44">
+              <p14:nvContentPartPr>
+                <p14:cNvPr id="69" name="Encre 68">
+                  <a:extLst>
+                    <a:ext uri="{FF2B5EF4-FFF2-40B4-BE49-F238E27FC236}">
+                      <a16:creationId xmlns:a16="http://schemas.microsoft.com/office/drawing/2014/main" id="{0CACEC6F-1E13-40FA-8C89-7FBF1A346A28}"/>
+                    </a:ext>
+                  </a:extLst>
+                </p14:cNvPr>
+                <p14:cNvContentPartPr/>
+                <p14:nvPr/>
+              </p14:nvContentPartPr>
+              <p14:xfrm>
+                <a:off x="4714240" y="3019878"/>
+                <a:ext cx="97920" cy="103320"/>
+              </p14:xfrm>
+            </p:contentPart>
+          </mc:Choice>
+          <mc:Fallback>
+            <p:pic>
+              <p:nvPicPr>
+                <p:cNvPr id="69" name="Encre 68">
+                  <a:extLst>
+                    <a:ext uri="{FF2B5EF4-FFF2-40B4-BE49-F238E27FC236}">
+                      <a16:creationId xmlns:a16="http://schemas.microsoft.com/office/drawing/2014/main" id="{0CACEC6F-1E13-40FA-8C89-7FBF1A346A28}"/>
+                    </a:ext>
+                  </a:extLst>
+                </p:cNvPr>
+                <p:cNvPicPr/>
+                <p:nvPr/>
+              </p:nvPicPr>
+              <p:blipFill>
+                <a:blip r:embed="rId45"/>
+                <a:stretch>
+                  <a:fillRect/>
+                </a:stretch>
+              </p:blipFill>
+              <p:spPr>
+                <a:xfrm>
+                  <a:off x="4705600" y="3010878"/>
+                  <a:ext cx="115560" cy="120960"/>
+                </a:xfrm>
+                <a:prstGeom prst="rect">
+                  <a:avLst/>
+                </a:prstGeom>
+              </p:spPr>
+            </p:pic>
+          </mc:Fallback>
+        </mc:AlternateContent>
+        <mc:AlternateContent xmlns:mc="http://schemas.openxmlformats.org/markup-compatibility/2006">
+          <mc:Choice xmlns:p14="http://schemas.microsoft.com/office/powerpoint/2010/main" Requires="p14">
+            <p:contentPart p14:bwMode="auto" r:id="rId46">
+              <p14:nvContentPartPr>
+                <p14:cNvPr id="71" name="Encre 70">
+                  <a:extLst>
+                    <a:ext uri="{FF2B5EF4-FFF2-40B4-BE49-F238E27FC236}">
+                      <a16:creationId xmlns:a16="http://schemas.microsoft.com/office/drawing/2014/main" id="{D90A3A8E-2F72-4951-AE86-7427F74197D7}"/>
+                    </a:ext>
+                  </a:extLst>
+                </p14:cNvPr>
+                <p14:cNvContentPartPr/>
+                <p14:nvPr/>
+              </p14:nvContentPartPr>
+              <p14:xfrm>
+                <a:off x="4763920" y="2986038"/>
+                <a:ext cx="10080" cy="141840"/>
+              </p14:xfrm>
+            </p:contentPart>
+          </mc:Choice>
+          <mc:Fallback>
+            <p:pic>
+              <p:nvPicPr>
+                <p:cNvPr id="71" name="Encre 70">
+                  <a:extLst>
+                    <a:ext uri="{FF2B5EF4-FFF2-40B4-BE49-F238E27FC236}">
+                      <a16:creationId xmlns:a16="http://schemas.microsoft.com/office/drawing/2014/main" id="{D90A3A8E-2F72-4951-AE86-7427F74197D7}"/>
+                    </a:ext>
+                  </a:extLst>
+                </p:cNvPr>
+                <p:cNvPicPr/>
+                <p:nvPr/>
+              </p:nvPicPr>
+              <p:blipFill>
+                <a:blip r:embed="rId47"/>
+                <a:stretch>
+                  <a:fillRect/>
+                </a:stretch>
+              </p:blipFill>
+              <p:spPr>
+                <a:xfrm>
+                  <a:off x="4755280" y="2977038"/>
+                  <a:ext cx="27720" cy="159480"/>
+                </a:xfrm>
+                <a:prstGeom prst="rect">
+                  <a:avLst/>
+                </a:prstGeom>
+              </p:spPr>
+            </p:pic>
+          </mc:Fallback>
+        </mc:AlternateContent>
+        <mc:AlternateContent xmlns:mc="http://schemas.openxmlformats.org/markup-compatibility/2006">
+          <mc:Choice xmlns:p14="http://schemas.microsoft.com/office/powerpoint/2010/main" Requires="p14">
+            <p:contentPart p14:bwMode="auto" r:id="rId48">
+              <p14:nvContentPartPr>
+                <p14:cNvPr id="76" name="Encre 75">
+                  <a:extLst>
+                    <a:ext uri="{FF2B5EF4-FFF2-40B4-BE49-F238E27FC236}">
+                      <a16:creationId xmlns:a16="http://schemas.microsoft.com/office/drawing/2014/main" id="{494FB92D-12D3-4F44-B084-530FDF7E245D}"/>
+                    </a:ext>
+                  </a:extLst>
+                </p14:cNvPr>
+                <p14:cNvContentPartPr/>
+                <p14:nvPr/>
+              </p14:nvContentPartPr>
+              <p14:xfrm>
+                <a:off x="4697680" y="3061638"/>
+                <a:ext cx="105120" cy="3600"/>
+              </p14:xfrm>
+            </p:contentPart>
+          </mc:Choice>
+          <mc:Fallback>
+            <p:pic>
+              <p:nvPicPr>
+                <p:cNvPr id="76" name="Encre 75">
+                  <a:extLst>
+                    <a:ext uri="{FF2B5EF4-FFF2-40B4-BE49-F238E27FC236}">
+                      <a16:creationId xmlns:a16="http://schemas.microsoft.com/office/drawing/2014/main" id="{494FB92D-12D3-4F44-B084-530FDF7E245D}"/>
+                    </a:ext>
+                  </a:extLst>
+                </p:cNvPr>
+                <p:cNvPicPr/>
+                <p:nvPr/>
+              </p:nvPicPr>
+              <p:blipFill>
+                <a:blip r:embed="rId49"/>
+                <a:stretch>
+                  <a:fillRect/>
+                </a:stretch>
+              </p:blipFill>
+              <p:spPr>
+                <a:xfrm>
+                  <a:off x="4688680" y="3052998"/>
+                  <a:ext cx="122760" cy="21240"/>
+                </a:xfrm>
+                <a:prstGeom prst="rect">
+                  <a:avLst/>
+                </a:prstGeom>
+              </p:spPr>
+            </p:pic>
+          </mc:Fallback>
+        </mc:AlternateContent>
+      </p:grpSp>
+      <mc:AlternateContent xmlns:mc="http://schemas.openxmlformats.org/markup-compatibility/2006">
+        <mc:Choice xmlns:p14="http://schemas.microsoft.com/office/powerpoint/2010/main" Requires="p14">
+          <p:contentPart p14:bwMode="auto" r:id="rId50">
+            <p14:nvContentPartPr>
+              <p14:cNvPr id="79" name="Encre 78">
+                <a:extLst>
+                  <a:ext uri="{FF2B5EF4-FFF2-40B4-BE49-F238E27FC236}">
+                    <a16:creationId xmlns:a16="http://schemas.microsoft.com/office/drawing/2014/main" id="{15E45CB7-1B53-45C1-A11C-9855142699CE}"/>
+                  </a:ext>
+                </a:extLst>
+              </p14:cNvPr>
+              <p14:cNvContentPartPr/>
+              <p14:nvPr/>
+            </p14:nvContentPartPr>
+            <p14:xfrm>
+              <a:off x="1308280" y="2994318"/>
+              <a:ext cx="26280" cy="415800"/>
+            </p14:xfrm>
+          </p:contentPart>
+        </mc:Choice>
+        <mc:Fallback>
+          <p:pic>
+            <p:nvPicPr>
+              <p:cNvPr id="79" name="Encre 78">
+                <a:extLst>
+                  <a:ext uri="{FF2B5EF4-FFF2-40B4-BE49-F238E27FC236}">
+                    <a16:creationId xmlns:a16="http://schemas.microsoft.com/office/drawing/2014/main" id="{15E45CB7-1B53-45C1-A11C-9855142699CE}"/>
+                  </a:ext>
+                </a:extLst>
+              </p:cNvPr>
+              <p:cNvPicPr/>
+              <p:nvPr/>
+            </p:nvPicPr>
+            <p:blipFill>
+              <a:blip r:embed="rId51"/>
+              <a:stretch>
+                <a:fillRect/>
+              </a:stretch>
+            </p:blipFill>
+            <p:spPr>
+              <a:xfrm>
+                <a:off x="1299640" y="2985678"/>
+                <a:ext cx="43920" cy="433440"/>
+              </a:xfrm>
+              <a:prstGeom prst="rect">
+                <a:avLst/>
+              </a:prstGeom>
+            </p:spPr>
+          </p:pic>
+        </mc:Fallback>
+      </mc:AlternateContent>
+      <p:grpSp>
+        <p:nvGrpSpPr>
+          <p:cNvPr id="310" name="Groupe 309">
+            <a:extLst>
+              <a:ext uri="{FF2B5EF4-FFF2-40B4-BE49-F238E27FC236}">
+                <a16:creationId xmlns:a16="http://schemas.microsoft.com/office/drawing/2014/main" id="{E4DD21FF-D3B7-434E-8416-CFFC9A1F7C5E}"/>
+              </a:ext>
+            </a:extLst>
+          </p:cNvPr>
+          <p:cNvGrpSpPr/>
+          <p:nvPr/>
+        </p:nvGrpSpPr>
+        <p:grpSpPr>
+          <a:xfrm>
+            <a:off x="930640" y="3069918"/>
+            <a:ext cx="824400" cy="226800"/>
+            <a:chOff x="930640" y="3069918"/>
+            <a:chExt cx="824400" cy="226800"/>
+          </a:xfrm>
+        </p:grpSpPr>
+        <mc:AlternateContent xmlns:mc="http://schemas.openxmlformats.org/markup-compatibility/2006">
+          <mc:Choice xmlns:p14="http://schemas.microsoft.com/office/powerpoint/2010/main" Requires="p14">
+            <p:contentPart p14:bwMode="auto" r:id="rId52">
+              <p14:nvContentPartPr>
+                <p14:cNvPr id="80" name="Encre 79">
+                  <a:extLst>
+                    <a:ext uri="{FF2B5EF4-FFF2-40B4-BE49-F238E27FC236}">
+                      <a16:creationId xmlns:a16="http://schemas.microsoft.com/office/drawing/2014/main" id="{6D115044-CF13-4331-8F53-96C8F5F84C94}"/>
+                    </a:ext>
+                  </a:extLst>
+                </p14:cNvPr>
+                <p14:cNvContentPartPr/>
+                <p14:nvPr/>
+              </p14:nvContentPartPr>
+              <p14:xfrm>
+                <a:off x="930640" y="3154158"/>
+                <a:ext cx="48960" cy="110880"/>
+              </p14:xfrm>
+            </p:contentPart>
+          </mc:Choice>
+          <mc:Fallback>
+            <p:pic>
+              <p:nvPicPr>
+                <p:cNvPr id="80" name="Encre 79">
+                  <a:extLst>
+                    <a:ext uri="{FF2B5EF4-FFF2-40B4-BE49-F238E27FC236}">
+                      <a16:creationId xmlns:a16="http://schemas.microsoft.com/office/drawing/2014/main" id="{6D115044-CF13-4331-8F53-96C8F5F84C94}"/>
+                    </a:ext>
+                  </a:extLst>
+                </p:cNvPr>
+                <p:cNvPicPr/>
+                <p:nvPr/>
+              </p:nvPicPr>
+              <p:blipFill>
+                <a:blip r:embed="rId53"/>
+                <a:stretch>
+                  <a:fillRect/>
+                </a:stretch>
+              </p:blipFill>
+              <p:spPr>
+                <a:xfrm>
+                  <a:off x="922000" y="3145158"/>
+                  <a:ext cx="66600" cy="128520"/>
+                </a:xfrm>
+                <a:prstGeom prst="rect">
+                  <a:avLst/>
+                </a:prstGeom>
+              </p:spPr>
+            </p:pic>
+          </mc:Fallback>
+        </mc:AlternateContent>
+        <mc:AlternateContent xmlns:mc="http://schemas.openxmlformats.org/markup-compatibility/2006">
+          <mc:Choice xmlns:p14="http://schemas.microsoft.com/office/powerpoint/2010/main" Requires="p14">
+            <p:contentPart p14:bwMode="auto" r:id="rId54">
+              <p14:nvContentPartPr>
+                <p14:cNvPr id="81" name="Encre 80">
+                  <a:extLst>
+                    <a:ext uri="{FF2B5EF4-FFF2-40B4-BE49-F238E27FC236}">
+                      <a16:creationId xmlns:a16="http://schemas.microsoft.com/office/drawing/2014/main" id="{A179D988-9277-4E66-86CD-9BE23DF26FAC}"/>
+                    </a:ext>
+                  </a:extLst>
+                </p14:cNvPr>
+                <p14:cNvContentPartPr/>
+                <p14:nvPr/>
+              </p14:nvContentPartPr>
+              <p14:xfrm>
+                <a:off x="989680" y="3069918"/>
+                <a:ext cx="360" cy="360"/>
+              </p14:xfrm>
+            </p:contentPart>
+          </mc:Choice>
+          <mc:Fallback>
+            <p:pic>
+              <p:nvPicPr>
+                <p:cNvPr id="81" name="Encre 80">
+                  <a:extLst>
+                    <a:ext uri="{FF2B5EF4-FFF2-40B4-BE49-F238E27FC236}">
+                      <a16:creationId xmlns:a16="http://schemas.microsoft.com/office/drawing/2014/main" id="{A179D988-9277-4E66-86CD-9BE23DF26FAC}"/>
+                    </a:ext>
+                  </a:extLst>
+                </p:cNvPr>
+                <p:cNvPicPr/>
+                <p:nvPr/>
+              </p:nvPicPr>
+              <p:blipFill>
+                <a:blip r:embed="rId55"/>
+                <a:stretch>
+                  <a:fillRect/>
+                </a:stretch>
+              </p:blipFill>
+              <p:spPr>
+                <a:xfrm>
+                  <a:off x="980680" y="3061278"/>
+                  <a:ext cx="18000" cy="18000"/>
+                </a:xfrm>
+                <a:prstGeom prst="rect">
+                  <a:avLst/>
+                </a:prstGeom>
+              </p:spPr>
+            </p:pic>
+          </mc:Fallback>
+        </mc:AlternateContent>
+        <mc:AlternateContent xmlns:mc="http://schemas.openxmlformats.org/markup-compatibility/2006">
+          <mc:Choice xmlns:p14="http://schemas.microsoft.com/office/powerpoint/2010/main" Requires="p14">
+            <p:contentPart p14:bwMode="auto" r:id="rId56">
+              <p14:nvContentPartPr>
+                <p14:cNvPr id="82" name="Encre 81">
+                  <a:extLst>
+                    <a:ext uri="{FF2B5EF4-FFF2-40B4-BE49-F238E27FC236}">
+                      <a16:creationId xmlns:a16="http://schemas.microsoft.com/office/drawing/2014/main" id="{5BC9822E-187D-44C8-9F54-888586065846}"/>
+                    </a:ext>
+                  </a:extLst>
+                </p14:cNvPr>
+                <p14:cNvContentPartPr/>
+                <p14:nvPr/>
+              </p14:nvContentPartPr>
+              <p14:xfrm>
+                <a:off x="1022440" y="3163158"/>
+                <a:ext cx="43200" cy="108360"/>
+              </p14:xfrm>
+            </p:contentPart>
+          </mc:Choice>
+          <mc:Fallback>
+            <p:pic>
+              <p:nvPicPr>
+                <p:cNvPr id="82" name="Encre 81">
+                  <a:extLst>
+                    <a:ext uri="{FF2B5EF4-FFF2-40B4-BE49-F238E27FC236}">
+                      <a16:creationId xmlns:a16="http://schemas.microsoft.com/office/drawing/2014/main" id="{5BC9822E-187D-44C8-9F54-888586065846}"/>
+                    </a:ext>
+                  </a:extLst>
+                </p:cNvPr>
+                <p:cNvPicPr/>
+                <p:nvPr/>
+              </p:nvPicPr>
+              <p:blipFill>
+                <a:blip r:embed="rId57"/>
+                <a:stretch>
+                  <a:fillRect/>
+                </a:stretch>
+              </p:blipFill>
+              <p:spPr>
+                <a:xfrm>
+                  <a:off x="1013800" y="3154518"/>
+                  <a:ext cx="60840" cy="126000"/>
+                </a:xfrm>
+                <a:prstGeom prst="rect">
+                  <a:avLst/>
+                </a:prstGeom>
+              </p:spPr>
+            </p:pic>
+          </mc:Fallback>
+        </mc:AlternateContent>
+        <mc:AlternateContent xmlns:mc="http://schemas.openxmlformats.org/markup-compatibility/2006">
+          <mc:Choice xmlns:p14="http://schemas.microsoft.com/office/powerpoint/2010/main" Requires="p14">
+            <p:contentPart p14:bwMode="auto" r:id="rId58">
+              <p14:nvContentPartPr>
+                <p14:cNvPr id="83" name="Encre 82">
+                  <a:extLst>
+                    <a:ext uri="{FF2B5EF4-FFF2-40B4-BE49-F238E27FC236}">
+                      <a16:creationId xmlns:a16="http://schemas.microsoft.com/office/drawing/2014/main" id="{5300E548-E183-44C2-9711-AD6FF97BB745}"/>
+                    </a:ext>
+                  </a:extLst>
+                </p14:cNvPr>
+                <p14:cNvContentPartPr/>
+                <p14:nvPr/>
+              </p14:nvContentPartPr>
+              <p14:xfrm>
+                <a:off x="1082200" y="3162438"/>
+                <a:ext cx="108360" cy="102600"/>
+              </p14:xfrm>
+            </p:contentPart>
+          </mc:Choice>
+          <mc:Fallback>
+            <p:pic>
+              <p:nvPicPr>
+                <p:cNvPr id="83" name="Encre 82">
+                  <a:extLst>
+                    <a:ext uri="{FF2B5EF4-FFF2-40B4-BE49-F238E27FC236}">
+                      <a16:creationId xmlns:a16="http://schemas.microsoft.com/office/drawing/2014/main" id="{5300E548-E183-44C2-9711-AD6FF97BB745}"/>
+                    </a:ext>
+                  </a:extLst>
+                </p:cNvPr>
+                <p:cNvPicPr/>
+                <p:nvPr/>
+              </p:nvPicPr>
+              <p:blipFill>
+                <a:blip r:embed="rId59"/>
+                <a:stretch>
+                  <a:fillRect/>
+                </a:stretch>
+              </p:blipFill>
+              <p:spPr>
+                <a:xfrm>
+                  <a:off x="1073560" y="3153438"/>
+                  <a:ext cx="126000" cy="120240"/>
+                </a:xfrm>
+                <a:prstGeom prst="rect">
+                  <a:avLst/>
+                </a:prstGeom>
+              </p:spPr>
+            </p:pic>
+          </mc:Fallback>
+        </mc:AlternateContent>
+        <mc:AlternateContent xmlns:mc="http://schemas.openxmlformats.org/markup-compatibility/2006">
+          <mc:Choice xmlns:p14="http://schemas.microsoft.com/office/powerpoint/2010/main" Requires="p14">
+            <p:contentPart p14:bwMode="auto" r:id="rId60">
+              <p14:nvContentPartPr>
+                <p14:cNvPr id="91" name="Encre 90">
+                  <a:extLst>
+                    <a:ext uri="{FF2B5EF4-FFF2-40B4-BE49-F238E27FC236}">
+                      <a16:creationId xmlns:a16="http://schemas.microsoft.com/office/drawing/2014/main" id="{5172E4B6-579D-4631-B5B0-536881B352DA}"/>
+                    </a:ext>
+                  </a:extLst>
+                </p14:cNvPr>
+                <p14:cNvContentPartPr/>
+                <p14:nvPr/>
+              </p14:nvContentPartPr>
+              <p14:xfrm>
+                <a:off x="1346800" y="3177198"/>
+                <a:ext cx="120600" cy="95760"/>
+              </p14:xfrm>
+            </p:contentPart>
+          </mc:Choice>
+          <mc:Fallback>
+            <p:pic>
+              <p:nvPicPr>
+                <p:cNvPr id="91" name="Encre 90">
+                  <a:extLst>
+                    <a:ext uri="{FF2B5EF4-FFF2-40B4-BE49-F238E27FC236}">
+                      <a16:creationId xmlns:a16="http://schemas.microsoft.com/office/drawing/2014/main" id="{5172E4B6-579D-4631-B5B0-536881B352DA}"/>
+                    </a:ext>
+                  </a:extLst>
+                </p:cNvPr>
+                <p:cNvPicPr/>
+                <p:nvPr/>
+              </p:nvPicPr>
+              <p:blipFill>
+                <a:blip r:embed="rId61"/>
+                <a:stretch>
+                  <a:fillRect/>
+                </a:stretch>
+              </p:blipFill>
+              <p:spPr>
+                <a:xfrm>
+                  <a:off x="1338160" y="3168198"/>
+                  <a:ext cx="138240" cy="113400"/>
+                </a:xfrm>
+                <a:prstGeom prst="rect">
+                  <a:avLst/>
+                </a:prstGeom>
+              </p:spPr>
+            </p:pic>
+          </mc:Fallback>
+        </mc:AlternateContent>
+        <mc:AlternateContent xmlns:mc="http://schemas.openxmlformats.org/markup-compatibility/2006">
+          <mc:Choice xmlns:p14="http://schemas.microsoft.com/office/powerpoint/2010/main" Requires="p14">
+            <p:contentPart p14:bwMode="auto" r:id="rId62">
+              <p14:nvContentPartPr>
+                <p14:cNvPr id="92" name="Encre 91">
+                  <a:extLst>
+                    <a:ext uri="{FF2B5EF4-FFF2-40B4-BE49-F238E27FC236}">
+                      <a16:creationId xmlns:a16="http://schemas.microsoft.com/office/drawing/2014/main" id="{970F065F-5AAF-4E1F-8492-693F8890363D}"/>
+                    </a:ext>
+                  </a:extLst>
+                </p14:cNvPr>
+                <p14:cNvContentPartPr/>
+                <p14:nvPr/>
+              </p14:nvContentPartPr>
+              <p14:xfrm>
+                <a:off x="1501960" y="3170358"/>
+                <a:ext cx="94680" cy="109800"/>
+              </p14:xfrm>
+            </p:contentPart>
+          </mc:Choice>
+          <mc:Fallback>
+            <p:pic>
+              <p:nvPicPr>
+                <p:cNvPr id="92" name="Encre 91">
+                  <a:extLst>
+                    <a:ext uri="{FF2B5EF4-FFF2-40B4-BE49-F238E27FC236}">
+                      <a16:creationId xmlns:a16="http://schemas.microsoft.com/office/drawing/2014/main" id="{970F065F-5AAF-4E1F-8492-693F8890363D}"/>
+                    </a:ext>
+                  </a:extLst>
+                </p:cNvPr>
+                <p:cNvPicPr/>
+                <p:nvPr/>
+              </p:nvPicPr>
+              <p:blipFill>
+                <a:blip r:embed="rId63"/>
+                <a:stretch>
+                  <a:fillRect/>
+                </a:stretch>
+              </p:blipFill>
+              <p:spPr>
+                <a:xfrm>
+                  <a:off x="1493320" y="3161718"/>
+                  <a:ext cx="112320" cy="127440"/>
+                </a:xfrm>
+                <a:prstGeom prst="rect">
+                  <a:avLst/>
+                </a:prstGeom>
+              </p:spPr>
+            </p:pic>
+          </mc:Fallback>
+        </mc:AlternateContent>
+        <mc:AlternateContent xmlns:mc="http://schemas.openxmlformats.org/markup-compatibility/2006">
+          <mc:Choice xmlns:p14="http://schemas.microsoft.com/office/powerpoint/2010/main" Requires="p14">
+            <p:contentPart p14:bwMode="auto" r:id="rId64">
+              <p14:nvContentPartPr>
+                <p14:cNvPr id="95" name="Encre 94">
+                  <a:extLst>
+                    <a:ext uri="{FF2B5EF4-FFF2-40B4-BE49-F238E27FC236}">
+                      <a16:creationId xmlns:a16="http://schemas.microsoft.com/office/drawing/2014/main" id="{F13495D8-F95A-48C6-8489-C922CC1FE78B}"/>
+                    </a:ext>
+                  </a:extLst>
+                </p14:cNvPr>
+                <p14:cNvContentPartPr/>
+                <p14:nvPr/>
+              </p14:nvContentPartPr>
+              <p14:xfrm>
+                <a:off x="1584400" y="3178998"/>
+                <a:ext cx="100800" cy="101880"/>
+              </p14:xfrm>
+            </p:contentPart>
+          </mc:Choice>
+          <mc:Fallback>
+            <p:pic>
+              <p:nvPicPr>
+                <p:cNvPr id="95" name="Encre 94">
+                  <a:extLst>
+                    <a:ext uri="{FF2B5EF4-FFF2-40B4-BE49-F238E27FC236}">
+                      <a16:creationId xmlns:a16="http://schemas.microsoft.com/office/drawing/2014/main" id="{F13495D8-F95A-48C6-8489-C922CC1FE78B}"/>
+                    </a:ext>
+                  </a:extLst>
+                </p:cNvPr>
+                <p:cNvPicPr/>
+                <p:nvPr/>
+              </p:nvPicPr>
+              <p:blipFill>
+                <a:blip r:embed="rId65"/>
+                <a:stretch>
+                  <a:fillRect/>
+                </a:stretch>
+              </p:blipFill>
+              <p:spPr>
+                <a:xfrm>
+                  <a:off x="1575400" y="3170358"/>
+                  <a:ext cx="118440" cy="119520"/>
+                </a:xfrm>
+                <a:prstGeom prst="rect">
+                  <a:avLst/>
+                </a:prstGeom>
+              </p:spPr>
+            </p:pic>
+          </mc:Fallback>
+        </mc:AlternateContent>
+        <mc:AlternateContent xmlns:mc="http://schemas.openxmlformats.org/markup-compatibility/2006">
+          <mc:Choice xmlns:p14="http://schemas.microsoft.com/office/powerpoint/2010/main" Requires="p14">
+            <p:contentPart p14:bwMode="auto" r:id="rId66">
+              <p14:nvContentPartPr>
+                <p14:cNvPr id="309" name="Encre 308">
+                  <a:extLst>
+                    <a:ext uri="{FF2B5EF4-FFF2-40B4-BE49-F238E27FC236}">
+                      <a16:creationId xmlns:a16="http://schemas.microsoft.com/office/drawing/2014/main" id="{26F83D06-D239-4390-BE27-99949C750AC5}"/>
+                    </a:ext>
+                  </a:extLst>
+                </p14:cNvPr>
+                <p14:cNvContentPartPr/>
+                <p14:nvPr/>
+              </p14:nvContentPartPr>
+              <p14:xfrm>
+                <a:off x="1677640" y="3137598"/>
+                <a:ext cx="77400" cy="159120"/>
+              </p14:xfrm>
+            </p:contentPart>
+          </mc:Choice>
+          <mc:Fallback>
+            <p:pic>
+              <p:nvPicPr>
+                <p:cNvPr id="309" name="Encre 308">
+                  <a:extLst>
+                    <a:ext uri="{FF2B5EF4-FFF2-40B4-BE49-F238E27FC236}">
+                      <a16:creationId xmlns:a16="http://schemas.microsoft.com/office/drawing/2014/main" id="{26F83D06-D239-4390-BE27-99949C750AC5}"/>
+                    </a:ext>
+                  </a:extLst>
+                </p:cNvPr>
+                <p:cNvPicPr/>
+                <p:nvPr/>
+              </p:nvPicPr>
+              <p:blipFill>
+                <a:blip r:embed="rId67"/>
+                <a:stretch>
+                  <a:fillRect/>
+                </a:stretch>
+              </p:blipFill>
+              <p:spPr>
+                <a:xfrm>
+                  <a:off x="1669000" y="3128958"/>
+                  <a:ext cx="95040" cy="176760"/>
+                </a:xfrm>
+                <a:prstGeom prst="rect">
+                  <a:avLst/>
+                </a:prstGeom>
+              </p:spPr>
+            </p:pic>
+          </mc:Fallback>
+        </mc:AlternateContent>
+      </p:grpSp>
+    </p:spTree>
+    <p:extLst>
+      <p:ext uri="{BB962C8B-B14F-4D97-AF65-F5344CB8AC3E}">
+        <p14:creationId xmlns:p14="http://schemas.microsoft.com/office/powerpoint/2010/main" val="3628662756"/>
       </p:ext>
     </p:extLst>
   </p:cSld>
